--- a/_site/translations/en-us/RobotGame/FindingLines.pptx
+++ b/_site/translations/en-us/RobotGame/FindingLines.pptx
@@ -11,10 +11,10 @@
     <p:sldMasterId id="2147483907" r:id="rId7"/>
   </p:sldMasterIdLst>
   <p:notesMasterIdLst>
-    <p:notesMasterId r:id="rId16"/>
+    <p:notesMasterId r:id="rId15"/>
   </p:notesMasterIdLst>
   <p:handoutMasterIdLst>
-    <p:handoutMasterId r:id="rId17"/>
+    <p:handoutMasterId r:id="rId16"/>
   </p:handoutMasterIdLst>
   <p:sldIdLst>
     <p:sldId id="289" r:id="rId8"/>
@@ -23,8 +23,7 @@
     <p:sldId id="312" r:id="rId11"/>
     <p:sldId id="313" r:id="rId12"/>
     <p:sldId id="314" r:id="rId13"/>
-    <p:sldId id="315" r:id="rId14"/>
-    <p:sldId id="274" r:id="rId15"/>
+    <p:sldId id="274" r:id="rId14"/>
   </p:sldIdLst>
   <p:sldSz cx="9144000" cy="6858000" type="screen4x3"/>
   <p:notesSz cx="6858000" cy="9144000"/>
@@ -224,7 +223,7 @@
           <a:p>
             <a:fld id="{E354B44E-40A3-0E46-B16A-9BF1250A248B}" type="datetimeFigureOut">
               <a:rPr lang="en-US" smtClean="0"/>
-              <a:t>8/20/18</a:t>
+              <a:t>10/28/22</a:t>
             </a:fld>
             <a:endParaRPr lang="en-US"/>
           </a:p>
@@ -390,7 +389,7 @@
           <a:p>
             <a:fld id="{C86AD16C-2DB4-6642-BAD4-9ED973A087A0}" type="datetimeFigureOut">
               <a:rPr lang="en-US" smtClean="0"/>
-              <a:t>8/20/18</a:t>
+              <a:t>10/28/22</a:t>
             </a:fld>
             <a:endParaRPr lang="en-US"/>
           </a:p>
@@ -807,7 +806,7 @@
           <a:p>
             <a:fld id="{1E5BF589-3978-3C45-966B-D7B7A71F2A02}" type="slidenum">
               <a:rPr lang="en-US" smtClean="0"/>
-              <a:t>8</a:t>
+              <a:t>7</a:t>
             </a:fld>
             <a:endParaRPr lang="en-US"/>
           </a:p>
@@ -1017,9 +1016,9 @@
           <a:bodyPr/>
           <a:lstStyle/>
           <a:p>
-            <a:fld id="{477BB181-8F7D-3C46-949E-F8ED231B3008}" type="datetime1">
+            <a:fld id="{F526C2FC-AD92-474F-B33C-C3DB932C78C5}" type="datetime1">
               <a:rPr lang="en-US" smtClean="0"/>
-              <a:t>8/20/18</a:t>
+              <a:t>10/28/22</a:t>
             </a:fld>
             <a:endParaRPr lang="en-US"/>
           </a:p>
@@ -1042,7 +1041,7 @@
           <a:p>
             <a:r>
               <a:rPr lang="en-US"/>
-              <a:t>© 2018, FLL Tutorials, Last Edit 8/20/2018</a:t>
+              <a:t>© 2022, FLL Tutorials</a:t>
             </a:r>
           </a:p>
         </p:txBody>
@@ -1613,9 +1612,9 @@
           <a:bodyPr/>
           <a:lstStyle/>
           <a:p>
-            <a:fld id="{CF9C1E8C-75FC-0449-ADC0-DBBEA80F4B3A}" type="datetime1">
+            <a:fld id="{1F5A01B5-9398-5544-AC36-163D1A865815}" type="datetime1">
               <a:rPr lang="en-US" smtClean="0"/>
-              <a:t>8/20/18</a:t>
+              <a:t>10/28/22</a:t>
             </a:fld>
             <a:endParaRPr lang="en-US"/>
           </a:p>
@@ -1638,7 +1637,7 @@
           <a:p>
             <a:r>
               <a:rPr lang="en-US"/>
-              <a:t>© 2018, FLL Tutorials, Last Edit 8/20/2018</a:t>
+              <a:t>© 2022, FLL Tutorials</a:t>
             </a:r>
           </a:p>
         </p:txBody>
@@ -1794,9 +1793,9 @@
           <a:bodyPr/>
           <a:lstStyle/>
           <a:p>
-            <a:fld id="{1CF60AD0-2FF1-294B-B8C0-92CA87CEFB05}" type="datetime1">
+            <a:fld id="{5D91CA33-578E-3B49-9A11-EEEC82121345}" type="datetime1">
               <a:rPr lang="en-US" smtClean="0"/>
-              <a:t>8/20/18</a:t>
+              <a:t>10/28/22</a:t>
             </a:fld>
             <a:endParaRPr lang="en-US"/>
           </a:p>
@@ -1819,7 +1818,7 @@
           <a:p>
             <a:r>
               <a:rPr lang="en-US"/>
-              <a:t>© 2018, FLL Tutorials, Last Edit 8/20/2018</a:t>
+              <a:t>© 2022, FLL Tutorials</a:t>
             </a:r>
           </a:p>
         </p:txBody>
@@ -2010,9 +2009,9 @@
           <a:bodyPr/>
           <a:lstStyle/>
           <a:p>
-            <a:fld id="{E0257F83-17F4-EE4A-B6D1-5FFCD156F080}" type="datetime1">
+            <a:fld id="{4E96A52A-3C78-484A-A275-24E5070EC0BE}" type="datetime1">
               <a:rPr lang="en-US" smtClean="0"/>
-              <a:t>8/20/18</a:t>
+              <a:t>10/28/22</a:t>
             </a:fld>
             <a:endParaRPr lang="en-US"/>
           </a:p>
@@ -2040,7 +2039,7 @@
           <a:p>
             <a:r>
               <a:rPr lang="en-US"/>
-              <a:t>© 2018, FLL Tutorials, Last Edit 8/20/2018</a:t>
+              <a:t>© 2022, FLL Tutorials</a:t>
             </a:r>
           </a:p>
         </p:txBody>
@@ -2230,7 +2229,7 @@
           <a:noFill/>
           <a:extLst>
             <a:ext uri="{909E8E84-426E-40dd-AFC4-6F175D3DCCD1}">
-              <a14:hiddenFill xmlns="" xmlns:a14="http://schemas.microsoft.com/office/drawing/2010/main">
+              <a14:hiddenFill xmlns:a14="http://schemas.microsoft.com/office/drawing/2010/main" xmlns="">
                 <a:solidFill>
                   <a:srgbClr val="FFFFFF"/>
                 </a:solidFill>
@@ -2854,9 +2853,9 @@
           <a:bodyPr/>
           <a:lstStyle/>
           <a:p>
-            <a:fld id="{3BEECCB1-3226-5648-A67E-287310CAB577}" type="datetime1">
+            <a:fld id="{8BAE1B4F-1520-A743-9719-D5CC75BDC79B}" type="datetime1">
               <a:rPr lang="en-US" smtClean="0"/>
-              <a:t>8/20/18</a:t>
+              <a:t>10/28/22</a:t>
             </a:fld>
             <a:endParaRPr lang="en-US"/>
           </a:p>
@@ -2879,7 +2878,7 @@
           <a:p>
             <a:r>
               <a:rPr lang="en-US"/>
-              <a:t>© 2018, FLL Tutorials, Last Edit 8/20/2018</a:t>
+              <a:t>© 2022, FLL Tutorials</a:t>
             </a:r>
           </a:p>
         </p:txBody>
@@ -3119,9 +3118,9 @@
           <a:bodyPr/>
           <a:lstStyle/>
           <a:p>
-            <a:fld id="{9744E26E-EE5A-F24F-BF39-0DD79259C8F0}" type="datetime1">
+            <a:fld id="{D29CAC56-467D-BD45-9DB9-C21A958242D4}" type="datetime1">
               <a:rPr lang="en-US" smtClean="0"/>
-              <a:t>8/20/18</a:t>
+              <a:t>10/28/22</a:t>
             </a:fld>
             <a:endParaRPr lang="en-US"/>
           </a:p>
@@ -3175,7 +3174,7 @@
           <a:p>
             <a:r>
               <a:rPr lang="en-US"/>
-              <a:t>© 2018, FLL Tutorials, Last Edit 8/20/2018</a:t>
+              <a:t>© 2022, FLL Tutorials</a:t>
             </a:r>
           </a:p>
         </p:txBody>
@@ -3422,9 +3421,9 @@
           <a:bodyPr/>
           <a:lstStyle/>
           <a:p>
-            <a:fld id="{36E88AC1-DDDF-0F4B-B116-927757B32D6C}" type="datetime1">
+            <a:fld id="{807A75FD-C707-7942-8AF0-72790CBA7219}" type="datetime1">
               <a:rPr lang="en-US" smtClean="0"/>
-              <a:t>8/20/18</a:t>
+              <a:t>10/28/22</a:t>
             </a:fld>
             <a:endParaRPr lang="en-US"/>
           </a:p>
@@ -3447,7 +3446,7 @@
           <a:p>
             <a:r>
               <a:rPr lang="en-US"/>
-              <a:t>© 2018, FLL Tutorials, Last Edit 8/20/2018</a:t>
+              <a:t>© 2022, FLL Tutorials</a:t>
             </a:r>
           </a:p>
         </p:txBody>
@@ -3876,9 +3875,9 @@
           <a:bodyPr/>
           <a:lstStyle/>
           <a:p>
-            <a:fld id="{A866C7D6-0CA9-7D47-B960-193526C4F2FB}" type="datetime1">
+            <a:fld id="{02593994-B15D-EB40-B2DE-B6CE59119A91}" type="datetime1">
               <a:rPr lang="en-US" smtClean="0"/>
-              <a:t>8/20/18</a:t>
+              <a:t>10/28/22</a:t>
             </a:fld>
             <a:endParaRPr lang="en-US"/>
           </a:p>
@@ -3901,7 +3900,7 @@
           <a:p>
             <a:r>
               <a:rPr lang="en-US"/>
-              <a:t>© 2018, FLL Tutorials, Last Edit 8/20/2018</a:t>
+              <a:t>© 2022, FLL Tutorials</a:t>
             </a:r>
           </a:p>
         </p:txBody>
@@ -4004,9 +4003,9 @@
           <a:bodyPr/>
           <a:lstStyle/>
           <a:p>
-            <a:fld id="{18DE8A2B-3CCE-DB45-96F8-6627CC29BF4D}" type="datetime1">
+            <a:fld id="{1887C9F4-8709-0041-8373-C087569FD314}" type="datetime1">
               <a:rPr lang="en-US" smtClean="0"/>
-              <a:t>8/20/18</a:t>
+              <a:t>10/28/22</a:t>
             </a:fld>
             <a:endParaRPr lang="en-US"/>
           </a:p>
@@ -4029,7 +4028,7 @@
           <a:p>
             <a:r>
               <a:rPr lang="en-US"/>
-              <a:t>© 2018, FLL Tutorials, Last Edit 8/20/2018</a:t>
+              <a:t>© 2022, FLL Tutorials</a:t>
             </a:r>
           </a:p>
         </p:txBody>
@@ -4110,9 +4109,9 @@
           <a:bodyPr/>
           <a:lstStyle/>
           <a:p>
-            <a:fld id="{C9F779F9-B786-4A41-935F-EFA2954FE3E9}" type="datetime1">
+            <a:fld id="{5E406D2A-2A5E-9B4C-8FB1-D6F52D4667D2}" type="datetime1">
               <a:rPr lang="en-US" smtClean="0"/>
-              <a:t>8/20/18</a:t>
+              <a:t>10/28/22</a:t>
             </a:fld>
             <a:endParaRPr lang="en-US"/>
           </a:p>
@@ -4135,7 +4134,7 @@
           <a:p>
             <a:r>
               <a:rPr lang="en-US"/>
-              <a:t>© 2018, FLL Tutorials, Last Edit 8/20/2018</a:t>
+              <a:t>© 2022, FLL Tutorials</a:t>
             </a:r>
           </a:p>
         </p:txBody>
@@ -4368,9 +4367,9 @@
           <a:bodyPr/>
           <a:lstStyle/>
           <a:p>
-            <a:fld id="{5C610C7C-FB1E-2844-9686-3FF7072B4B34}" type="datetime1">
+            <a:fld id="{581BA09C-995A-8748-A140-1A927CB4C5E7}" type="datetime1">
               <a:rPr lang="en-US" smtClean="0"/>
-              <a:t>8/20/18</a:t>
+              <a:t>10/28/22</a:t>
             </a:fld>
             <a:endParaRPr lang="en-US"/>
           </a:p>
@@ -4393,7 +4392,7 @@
           <a:p>
             <a:r>
               <a:rPr lang="en-US"/>
-              <a:t>© 2018, FLL Tutorials, Last Edit 8/20/2018</a:t>
+              <a:t>© 2022, FLL Tutorials</a:t>
             </a:r>
           </a:p>
         </p:txBody>
@@ -4580,9 +4579,9 @@
           <a:bodyPr/>
           <a:lstStyle/>
           <a:p>
-            <a:fld id="{0FCC2386-CE11-B54C-9B52-49CAAEBE9A16}" type="datetime1">
+            <a:fld id="{DA502833-1002-F246-A67B-A5457BB627B0}" type="datetime1">
               <a:rPr lang="en-US" smtClean="0"/>
-              <a:t>8/20/18</a:t>
+              <a:t>10/28/22</a:t>
             </a:fld>
             <a:endParaRPr lang="en-US"/>
           </a:p>
@@ -4605,7 +4604,7 @@
           <a:p>
             <a:r>
               <a:rPr lang="en-US"/>
-              <a:t>© 2018, FLL Tutorials, Last Edit 8/20/2018</a:t>
+              <a:t>© 2022, FLL Tutorials</a:t>
             </a:r>
           </a:p>
         </p:txBody>
@@ -4863,9 +4862,9 @@
           <a:bodyPr/>
           <a:lstStyle/>
           <a:p>
-            <a:fld id="{EEDFD36F-BCBD-7047-8608-A2DB15237026}" type="datetime1">
+            <a:fld id="{679FFA4F-4B1A-D040-B0D4-82D968C42EA9}" type="datetime1">
               <a:rPr lang="en-US" smtClean="0"/>
-              <a:t>8/20/18</a:t>
+              <a:t>10/28/22</a:t>
             </a:fld>
             <a:endParaRPr lang="en-US"/>
           </a:p>
@@ -4888,7 +4887,7 @@
           <a:p>
             <a:r>
               <a:rPr lang="en-US"/>
-              <a:t>© 2018, FLL Tutorials, Last Edit 8/20/2018</a:t>
+              <a:t>© 2022, FLL Tutorials</a:t>
             </a:r>
           </a:p>
         </p:txBody>
@@ -5130,9 +5129,9 @@
           <a:bodyPr/>
           <a:lstStyle/>
           <a:p>
-            <a:fld id="{FE92798F-C605-044B-ADD4-80567DBFD502}" type="datetime1">
+            <a:fld id="{C40C1D9B-1682-9C48-B069-E36FA0F6A1AF}" type="datetime1">
               <a:rPr lang="en-US" smtClean="0"/>
-              <a:t>8/20/18</a:t>
+              <a:t>10/28/22</a:t>
             </a:fld>
             <a:endParaRPr lang="en-US"/>
           </a:p>
@@ -5155,7 +5154,7 @@
           <a:p>
             <a:r>
               <a:rPr lang="en-US"/>
-              <a:t>© 2018, FLL Tutorials, Last Edit 8/20/2018</a:t>
+              <a:t>© 2022, FLL Tutorials</a:t>
             </a:r>
           </a:p>
         </p:txBody>
@@ -5319,9 +5318,9 @@
           <a:bodyPr/>
           <a:lstStyle/>
           <a:p>
-            <a:fld id="{069629AC-E941-AB4E-8A70-2260C240090D}" type="datetime1">
+            <a:fld id="{D1ADDB82-DA80-8F47-8454-C2E691001414}" type="datetime1">
               <a:rPr lang="en-US" smtClean="0"/>
-              <a:t>8/20/18</a:t>
+              <a:t>10/28/22</a:t>
             </a:fld>
             <a:endParaRPr lang="en-US"/>
           </a:p>
@@ -5344,7 +5343,7 @@
           <a:p>
             <a:r>
               <a:rPr lang="en-US"/>
-              <a:t>© 2018, FLL Tutorials, Last Edit 8/20/2018</a:t>
+              <a:t>© 2022, FLL Tutorials</a:t>
             </a:r>
           </a:p>
         </p:txBody>
@@ -5520,9 +5519,9 @@
           <a:bodyPr/>
           <a:lstStyle/>
           <a:p>
-            <a:fld id="{30EE5533-CD6E-1840-87BF-BBE5138167D7}" type="datetime1">
+            <a:fld id="{E6EAB974-4A0E-A84A-A9EF-D63FABAED86C}" type="datetime1">
               <a:rPr lang="en-US" smtClean="0"/>
-              <a:t>8/20/18</a:t>
+              <a:t>10/28/22</a:t>
             </a:fld>
             <a:endParaRPr lang="en-US"/>
           </a:p>
@@ -5545,7 +5544,7 @@
           <a:p>
             <a:r>
               <a:rPr lang="en-US"/>
-              <a:t>© 2018, FLL Tutorials, Last Edit 8/20/2018</a:t>
+              <a:t>© 2022, FLL Tutorials</a:t>
             </a:r>
           </a:p>
         </p:txBody>
@@ -5691,9 +5690,9 @@
           <a:bodyPr/>
           <a:lstStyle/>
           <a:p>
-            <a:fld id="{0EE9E942-B96C-D042-9878-2A3E466892A8}" type="datetime1">
+            <a:fld id="{174811A5-213E-E146-B22D-10751B002A60}" type="datetime1">
               <a:rPr lang="en-US" smtClean="0"/>
-              <a:t>8/20/18</a:t>
+              <a:t>10/28/22</a:t>
             </a:fld>
             <a:endParaRPr lang="en-US"/>
           </a:p>
@@ -5716,7 +5715,7 @@
           <a:p>
             <a:r>
               <a:rPr lang="en-US"/>
-              <a:t>© 2018, FLL Tutorials, Last Edit 8/20/2018</a:t>
+              <a:t>© 2022, FLL Tutorials</a:t>
             </a:r>
           </a:p>
         </p:txBody>
@@ -5939,9 +5938,9 @@
           <a:bodyPr/>
           <a:lstStyle/>
           <a:p>
-            <a:fld id="{95FFFFFD-531D-9142-9B15-8887D9566CAA}" type="datetime1">
+            <a:fld id="{FFBBB1C5-EE1A-EC40-BB70-F74C37DE062A}" type="datetime1">
               <a:rPr lang="en-US" smtClean="0"/>
-              <a:t>8/20/18</a:t>
+              <a:t>10/28/22</a:t>
             </a:fld>
             <a:endParaRPr lang="en-US"/>
           </a:p>
@@ -5964,7 +5963,7 @@
           <a:p>
             <a:r>
               <a:rPr lang="en-US"/>
-              <a:t>© 2018, FLL Tutorials, Last Edit 8/20/2018</a:t>
+              <a:t>© 2022, FLL Tutorials</a:t>
             </a:r>
           </a:p>
         </p:txBody>
@@ -6171,9 +6170,9 @@
           <a:bodyPr/>
           <a:lstStyle/>
           <a:p>
-            <a:fld id="{DCE56B5F-8FD9-C34D-AA2E-23AF8F79B11E}" type="datetime1">
+            <a:fld id="{64D92BDF-FB5A-4240-90AE-9D1DC1E525A8}" type="datetime1">
               <a:rPr lang="en-US" smtClean="0"/>
-              <a:t>8/20/18</a:t>
+              <a:t>10/28/22</a:t>
             </a:fld>
             <a:endParaRPr lang="en-US"/>
           </a:p>
@@ -6196,7 +6195,7 @@
           <a:p>
             <a:r>
               <a:rPr lang="en-US"/>
-              <a:t>© 2018, FLL Tutorials, Last Edit 8/20/2018</a:t>
+              <a:t>© 2022, FLL Tutorials</a:t>
             </a:r>
           </a:p>
         </p:txBody>
@@ -6538,9 +6537,9 @@
           <a:bodyPr/>
           <a:lstStyle/>
           <a:p>
-            <a:fld id="{77713FB8-63DE-E940-B045-8360DFC162D2}" type="datetime1">
+            <a:fld id="{92048B41-867D-5843-A0F9-6FEC142DCCCB}" type="datetime1">
               <a:rPr lang="en-US" smtClean="0"/>
-              <a:t>8/20/18</a:t>
+              <a:t>10/28/22</a:t>
             </a:fld>
             <a:endParaRPr lang="en-US"/>
           </a:p>
@@ -6563,7 +6562,7 @@
           <a:p>
             <a:r>
               <a:rPr lang="en-US"/>
-              <a:t>© 2018, FLL Tutorials, Last Edit 8/20/2018</a:t>
+              <a:t>© 2022, FLL Tutorials</a:t>
             </a:r>
           </a:p>
         </p:txBody>
@@ -6658,9 +6657,9 @@
           <a:bodyPr/>
           <a:lstStyle/>
           <a:p>
-            <a:fld id="{3ED940CC-F312-644A-807A-286E2A1F1B4A}" type="datetime1">
+            <a:fld id="{A5718630-CD52-C34C-A8AA-746190871B74}" type="datetime1">
               <a:rPr lang="en-US" smtClean="0"/>
-              <a:t>8/20/18</a:t>
+              <a:t>10/28/22</a:t>
             </a:fld>
             <a:endParaRPr lang="en-US"/>
           </a:p>
@@ -6683,7 +6682,7 @@
           <a:p>
             <a:r>
               <a:rPr lang="en-US"/>
-              <a:t>© 2018, FLL Tutorials, Last Edit 8/20/2018</a:t>
+              <a:t>© 2022, FLL Tutorials</a:t>
             </a:r>
           </a:p>
         </p:txBody>
@@ -6756,9 +6755,9 @@
           <a:bodyPr/>
           <a:lstStyle/>
           <a:p>
-            <a:fld id="{692CAC07-EB0E-F54A-975F-F0B3DFC4D61D}" type="datetime1">
+            <a:fld id="{63AB16A7-73A6-8249-9EED-8194825F3E98}" type="datetime1">
               <a:rPr lang="en-US" smtClean="0"/>
-              <a:t>8/20/18</a:t>
+              <a:t>10/28/22</a:t>
             </a:fld>
             <a:endParaRPr lang="en-US"/>
           </a:p>
@@ -6781,7 +6780,7 @@
           <a:p>
             <a:r>
               <a:rPr lang="en-US"/>
-              <a:t>© 2018, FLL Tutorials, Last Edit 8/20/2018</a:t>
+              <a:t>© 2022, FLL Tutorials</a:t>
             </a:r>
           </a:p>
         </p:txBody>
@@ -7013,9 +7012,9 @@
           <a:bodyPr/>
           <a:lstStyle/>
           <a:p>
-            <a:fld id="{AFBD5C00-7034-584D-BB6D-EB4979797616}" type="datetime1">
+            <a:fld id="{E4A7C2CB-AB28-4246-A45F-232AE26C46BA}" type="datetime1">
               <a:rPr lang="en-US" smtClean="0"/>
-              <a:t>8/20/18</a:t>
+              <a:t>10/28/22</a:t>
             </a:fld>
             <a:endParaRPr lang="en-US"/>
           </a:p>
@@ -7061,7 +7060,7 @@
           <a:p>
             <a:r>
               <a:rPr lang="en-US"/>
-              <a:t>© 2018, FLL Tutorials, Last Edit 8/20/2018</a:t>
+              <a:t>© 2022, FLL Tutorials</a:t>
             </a:r>
           </a:p>
         </p:txBody>
@@ -7291,9 +7290,9 @@
           <a:bodyPr/>
           <a:lstStyle/>
           <a:p>
-            <a:fld id="{B3C7A673-CD88-0E49-AC52-6A92F781DA64}" type="datetime1">
+            <a:fld id="{D6265EA7-7D88-2043-AA1B-F110D9843372}" type="datetime1">
               <a:rPr lang="en-US" smtClean="0"/>
-              <a:t>8/20/18</a:t>
+              <a:t>10/28/22</a:t>
             </a:fld>
             <a:endParaRPr lang="en-US"/>
           </a:p>
@@ -7316,7 +7315,7 @@
           <a:p>
             <a:r>
               <a:rPr lang="en-US"/>
-              <a:t>© 2018, FLL Tutorials, Last Edit 8/20/2018</a:t>
+              <a:t>© 2022, FLL Tutorials</a:t>
             </a:r>
           </a:p>
         </p:txBody>
@@ -7549,9 +7548,9 @@
           <a:bodyPr/>
           <a:lstStyle/>
           <a:p>
-            <a:fld id="{4C9D96C9-3A47-0844-87B1-EAA6B081A1A2}" type="datetime1">
+            <a:fld id="{6A507CBD-91A1-6F47-95B7-F7BCDF78F8A8}" type="datetime1">
               <a:rPr lang="en-US" smtClean="0"/>
-              <a:t>8/20/18</a:t>
+              <a:t>10/28/22</a:t>
             </a:fld>
             <a:endParaRPr lang="en-US"/>
           </a:p>
@@ -7574,7 +7573,7 @@
           <a:p>
             <a:r>
               <a:rPr lang="en-US"/>
-              <a:t>© 2018, FLL Tutorials, Last Edit 8/20/2018</a:t>
+              <a:t>© 2022, FLL Tutorials</a:t>
             </a:r>
           </a:p>
         </p:txBody>
@@ -7720,9 +7719,9 @@
           <a:bodyPr/>
           <a:lstStyle/>
           <a:p>
-            <a:fld id="{095B91C1-094E-704D-BE4A-EB5288EB796D}" type="datetime1">
+            <a:fld id="{9E3F7405-5722-D645-BBC2-58CC90BBD462}" type="datetime1">
               <a:rPr lang="en-US" smtClean="0"/>
-              <a:t>8/20/18</a:t>
+              <a:t>10/28/22</a:t>
             </a:fld>
             <a:endParaRPr lang="en-US"/>
           </a:p>
@@ -7745,7 +7744,7 @@
           <a:p>
             <a:r>
               <a:rPr lang="en-US"/>
-              <a:t>© 2018, FLL Tutorials, Last Edit 8/20/2018</a:t>
+              <a:t>© 2022, FLL Tutorials</a:t>
             </a:r>
           </a:p>
         </p:txBody>
@@ -7901,9 +7900,9 @@
           <a:bodyPr/>
           <a:lstStyle/>
           <a:p>
-            <a:fld id="{F092663D-6708-B74F-9A9B-F0A51A64186D}" type="datetime1">
+            <a:fld id="{47ED57F8-F1DD-8346-94BC-AE1ECD1C7377}" type="datetime1">
               <a:rPr lang="en-US" smtClean="0"/>
-              <a:t>8/20/18</a:t>
+              <a:t>10/28/22</a:t>
             </a:fld>
             <a:endParaRPr lang="en-US"/>
           </a:p>
@@ -7926,7 +7925,7 @@
           <a:p>
             <a:r>
               <a:rPr lang="en-US"/>
-              <a:t>© 2018, FLL Tutorials, Last Edit 8/20/2018</a:t>
+              <a:t>© 2022, FLL Tutorials</a:t>
             </a:r>
           </a:p>
         </p:txBody>
@@ -8158,9 +8157,9 @@
           <a:bodyPr/>
           <a:lstStyle/>
           <a:p>
-            <a:fld id="{BF0FC446-083C-0A42-BD88-B40A440C6144}" type="datetime1">
+            <a:fld id="{136FAE18-A826-8141-BBF0-B2F69BD76856}" type="datetime1">
               <a:rPr lang="en-US" smtClean="0"/>
-              <a:t>8/20/18</a:t>
+              <a:t>10/28/22</a:t>
             </a:fld>
             <a:endParaRPr lang="en-US"/>
           </a:p>
@@ -8183,7 +8182,7 @@
           <a:p>
             <a:r>
               <a:rPr lang="en-US"/>
-              <a:t>© 2018, FLL Tutorials, Last Edit 8/20/2018</a:t>
+              <a:t>© 2022, FLL Tutorials</a:t>
             </a:r>
           </a:p>
         </p:txBody>
@@ -9182,9 +9181,9 @@
           <a:bodyPr/>
           <a:lstStyle/>
           <a:p>
-            <a:fld id="{CADE7754-46DF-3443-8E97-C87830D56B48}" type="datetime1">
+            <a:fld id="{C2C24E59-FA3A-3943-BFA6-4400ADF7A05D}" type="datetime1">
               <a:rPr lang="en-US" smtClean="0"/>
-              <a:t>8/20/18</a:t>
+              <a:t>10/28/22</a:t>
             </a:fld>
             <a:endParaRPr lang="en-US"/>
           </a:p>
@@ -9207,7 +9206,7 @@
           <a:p>
             <a:r>
               <a:rPr lang="en-US"/>
-              <a:t>© 2018, FLL Tutorials, Last Edit 8/20/2018</a:t>
+              <a:t>© 2022, FLL Tutorials</a:t>
             </a:r>
           </a:p>
         </p:txBody>
@@ -9444,9 +9443,9 @@
           <a:bodyPr/>
           <a:lstStyle/>
           <a:p>
-            <a:fld id="{00FC8214-7E1E-0343-AB35-1F1AEE1B52BE}" type="datetime1">
+            <a:fld id="{3FD8DD23-2DB3-3F44-9259-25829825FC36}" type="datetime1">
               <a:rPr lang="en-US" smtClean="0"/>
-              <a:t>8/20/18</a:t>
+              <a:t>10/28/22</a:t>
             </a:fld>
             <a:endParaRPr lang="en-US"/>
           </a:p>
@@ -9492,7 +9491,7 @@
           <a:p>
             <a:r>
               <a:rPr lang="en-US"/>
-              <a:t>© 2018, FLL Tutorials, Last Edit 8/20/2018</a:t>
+              <a:t>© 2022, FLL Tutorials</a:t>
             </a:r>
           </a:p>
         </p:txBody>
@@ -9739,9 +9738,9 @@
           <a:bodyPr/>
           <a:lstStyle/>
           <a:p>
-            <a:fld id="{90094426-64FC-A04B-9E9C-A9676F74EA47}" type="datetime1">
+            <a:fld id="{F2546796-9448-3149-B9BC-55D46F6314DF}" type="datetime1">
               <a:rPr lang="en-US" smtClean="0"/>
-              <a:t>8/20/18</a:t>
+              <a:t>10/28/22</a:t>
             </a:fld>
             <a:endParaRPr lang="en-US"/>
           </a:p>
@@ -9764,7 +9763,7 @@
           <a:p>
             <a:r>
               <a:rPr lang="en-US"/>
-              <a:t>© 2018, FLL Tutorials, Last Edit 8/20/2018</a:t>
+              <a:t>© 2022, FLL Tutorials</a:t>
             </a:r>
           </a:p>
         </p:txBody>
@@ -10185,9 +10184,9 @@
           <a:bodyPr/>
           <a:lstStyle/>
           <a:p>
-            <a:fld id="{C49BE2DD-D760-5145-93BD-1A6CCE200500}" type="datetime1">
+            <a:fld id="{83F386AB-83E2-3144-815F-8FE1A14DCEC0}" type="datetime1">
               <a:rPr lang="en-US" smtClean="0"/>
-              <a:t>8/20/18</a:t>
+              <a:t>10/28/22</a:t>
             </a:fld>
             <a:endParaRPr lang="en-US"/>
           </a:p>
@@ -10210,7 +10209,7 @@
           <a:p>
             <a:r>
               <a:rPr lang="en-US"/>
-              <a:t>© 2018, FLL Tutorials, Last Edit 8/20/2018</a:t>
+              <a:t>© 2022, FLL Tutorials</a:t>
             </a:r>
           </a:p>
         </p:txBody>
@@ -10305,9 +10304,9 @@
           <a:bodyPr/>
           <a:lstStyle/>
           <a:p>
-            <a:fld id="{C4C81F56-181A-0E43-8A09-871E4CAF5C8A}" type="datetime1">
+            <a:fld id="{5303C366-B465-CB45-9759-CE6366312849}" type="datetime1">
               <a:rPr lang="en-US" smtClean="0"/>
-              <a:t>8/20/18</a:t>
+              <a:t>10/28/22</a:t>
             </a:fld>
             <a:endParaRPr lang="en-US"/>
           </a:p>
@@ -10330,7 +10329,7 @@
           <a:p>
             <a:r>
               <a:rPr lang="en-US"/>
-              <a:t>© 2018, FLL Tutorials, Last Edit 8/20/2018</a:t>
+              <a:t>© 2022, FLL Tutorials</a:t>
             </a:r>
           </a:p>
         </p:txBody>
@@ -10599,9 +10598,9 @@
           <a:bodyPr/>
           <a:lstStyle/>
           <a:p>
-            <a:fld id="{6916FB8D-2B21-FF4C-97A5-A4C8CB7D559E}" type="datetime1">
+            <a:fld id="{FA16658B-B1AB-5A4B-B8E4-7B819FF3CE81}" type="datetime1">
               <a:rPr lang="en-US" smtClean="0"/>
-              <a:t>8/20/18</a:t>
+              <a:t>10/28/22</a:t>
             </a:fld>
             <a:endParaRPr lang="en-US"/>
           </a:p>
@@ -10624,7 +10623,7 @@
           <a:p>
             <a:r>
               <a:rPr lang="en-US"/>
-              <a:t>© 2018, FLL Tutorials, Last Edit 8/20/2018</a:t>
+              <a:t>© 2022, FLL Tutorials</a:t>
             </a:r>
           </a:p>
         </p:txBody>
@@ -10697,9 +10696,9 @@
           <a:bodyPr/>
           <a:lstStyle/>
           <a:p>
-            <a:fld id="{16141729-6CFF-1F41-9755-97F8D5583C5C}" type="datetime1">
+            <a:fld id="{85C11570-D0BD-454F-AD22-995D479C380E}" type="datetime1">
               <a:rPr lang="en-US" smtClean="0"/>
-              <a:t>8/20/18</a:t>
+              <a:t>10/28/22</a:t>
             </a:fld>
             <a:endParaRPr lang="en-US"/>
           </a:p>
@@ -10722,7 +10721,7 @@
           <a:p>
             <a:r>
               <a:rPr lang="en-US"/>
-              <a:t>© 2018, FLL Tutorials, Last Edit 8/20/2018</a:t>
+              <a:t>© 2022, FLL Tutorials</a:t>
             </a:r>
           </a:p>
         </p:txBody>
@@ -10947,9 +10946,9 @@
           <a:bodyPr/>
           <a:lstStyle/>
           <a:p>
-            <a:fld id="{2A5B9DB0-C693-2547-813F-5B97FB604FCC}" type="datetime1">
+            <a:fld id="{384B4D5C-BCCF-EE4D-9C91-72D3F6BFA124}" type="datetime1">
               <a:rPr lang="en-US" smtClean="0"/>
-              <a:t>8/20/18</a:t>
+              <a:t>10/28/22</a:t>
             </a:fld>
             <a:endParaRPr lang="en-US"/>
           </a:p>
@@ -10972,7 +10971,7 @@
           <a:p>
             <a:r>
               <a:rPr lang="en-US"/>
-              <a:t>© 2018, FLL Tutorials, Last Edit 8/20/2018</a:t>
+              <a:t>© 2022, FLL Tutorials</a:t>
             </a:r>
           </a:p>
         </p:txBody>
@@ -11247,9 +11246,9 @@
           <a:bodyPr/>
           <a:lstStyle/>
           <a:p>
-            <a:fld id="{27DED9FF-A49C-FD4F-B472-882003CE3287}" type="datetime1">
+            <a:fld id="{1D249C70-45B4-3542-AE78-7B3CCF36767E}" type="datetime1">
               <a:rPr lang="en-US" smtClean="0"/>
-              <a:t>8/20/18</a:t>
+              <a:t>10/28/22</a:t>
             </a:fld>
             <a:endParaRPr lang="en-US"/>
           </a:p>
@@ -11272,7 +11271,7 @@
           <a:p>
             <a:r>
               <a:rPr lang="en-US"/>
-              <a:t>© 2018, FLL Tutorials, Last Edit 8/20/2018</a:t>
+              <a:t>© 2022, FLL Tutorials</a:t>
             </a:r>
           </a:p>
         </p:txBody>
@@ -11506,9 +11505,9 @@
           <a:bodyPr/>
           <a:lstStyle/>
           <a:p>
-            <a:fld id="{96EAEC5F-492E-A640-9AEF-2C13E658B461}" type="datetime1">
+            <a:fld id="{12C313AE-8668-3448-84AD-A4D41595F25C}" type="datetime1">
               <a:rPr lang="en-US" smtClean="0"/>
-              <a:t>8/20/18</a:t>
+              <a:t>10/28/22</a:t>
             </a:fld>
             <a:endParaRPr lang="en-US"/>
           </a:p>
@@ -11531,7 +11530,7 @@
           <a:p>
             <a:r>
               <a:rPr lang="en-US"/>
-              <a:t>© 2018, FLL Tutorials, Last Edit 8/20/2018</a:t>
+              <a:t>© 2022, FLL Tutorials</a:t>
             </a:r>
           </a:p>
         </p:txBody>
@@ -11687,9 +11686,9 @@
           <a:bodyPr/>
           <a:lstStyle/>
           <a:p>
-            <a:fld id="{11EA9CF0-C5B3-4946-B1DA-2C093E34CAB4}" type="datetime1">
+            <a:fld id="{9E596F38-B07C-1F41-A0C0-5E805579B20E}" type="datetime1">
               <a:rPr lang="en-US" smtClean="0"/>
-              <a:t>8/20/18</a:t>
+              <a:t>10/28/22</a:t>
             </a:fld>
             <a:endParaRPr lang="en-US"/>
           </a:p>
@@ -11712,7 +11711,7 @@
           <a:p>
             <a:r>
               <a:rPr lang="en-US"/>
-              <a:t>© 2018, FLL Tutorials, Last Edit 8/20/2018</a:t>
+              <a:t>© 2022, FLL Tutorials</a:t>
             </a:r>
           </a:p>
         </p:txBody>
@@ -11903,9 +11902,9 @@
           <a:bodyPr/>
           <a:lstStyle/>
           <a:p>
-            <a:fld id="{38112236-C3CA-534A-AA2A-0CC3785C1573}" type="datetime1">
+            <a:fld id="{65C76230-F454-054D-B63F-D06B9718970A}" type="datetime1">
               <a:rPr lang="en-US" smtClean="0"/>
-              <a:t>8/20/18</a:t>
+              <a:t>10/28/22</a:t>
             </a:fld>
             <a:endParaRPr lang="en-US"/>
           </a:p>
@@ -11933,7 +11932,7 @@
           <a:p>
             <a:r>
               <a:rPr lang="en-US"/>
-              <a:t>© 2018, FLL Tutorials, Last Edit 8/20/2018</a:t>
+              <a:t>© 2022, FLL Tutorials</a:t>
             </a:r>
           </a:p>
         </p:txBody>
@@ -13159,9 +13158,9 @@
           <a:bodyPr/>
           <a:lstStyle/>
           <a:p>
-            <a:fld id="{86010EA9-8721-8442-8D4D-7E404CE2633A}" type="datetime1">
+            <a:fld id="{A138C88A-9BB2-234E-B51C-1A289B11C812}" type="datetime1">
               <a:rPr lang="en-US" smtClean="0"/>
-              <a:t>8/20/18</a:t>
+              <a:t>10/28/22</a:t>
             </a:fld>
             <a:endParaRPr lang="en-US"/>
           </a:p>
@@ -13184,7 +13183,7 @@
           <a:p>
             <a:r>
               <a:rPr lang="en-US"/>
-              <a:t>© 2018, FLL Tutorials, Last Edit 8/20/2018</a:t>
+              <a:t>© 2022, FLL Tutorials</a:t>
             </a:r>
           </a:p>
         </p:txBody>
@@ -13424,9 +13423,9 @@
           <a:bodyPr/>
           <a:lstStyle/>
           <a:p>
-            <a:fld id="{F1974F70-A729-7F48-A557-38DC6E613E6E}" type="datetime1">
+            <a:fld id="{5452DE6A-EEE2-074F-B9FC-054A334A706A}" type="datetime1">
               <a:rPr lang="en-US" smtClean="0"/>
-              <a:t>8/20/18</a:t>
+              <a:t>10/28/22</a:t>
             </a:fld>
             <a:endParaRPr lang="en-US"/>
           </a:p>
@@ -13480,7 +13479,7 @@
           <a:p>
             <a:r>
               <a:rPr lang="en-US"/>
-              <a:t>© 2018, FLL Tutorials, Last Edit 8/20/2018</a:t>
+              <a:t>© 2022, FLL Tutorials</a:t>
             </a:r>
           </a:p>
         </p:txBody>
@@ -13727,9 +13726,9 @@
           <a:bodyPr/>
           <a:lstStyle/>
           <a:p>
-            <a:fld id="{89B5A9C3-94E1-6642-8EC4-B03AF694E1E6}" type="datetime1">
+            <a:fld id="{9EA829FD-5FF1-2949-9A11-F6199E39EE3D}" type="datetime1">
               <a:rPr lang="en-US" smtClean="0"/>
-              <a:t>8/20/18</a:t>
+              <a:t>10/28/22</a:t>
             </a:fld>
             <a:endParaRPr lang="en-US"/>
           </a:p>
@@ -13752,7 +13751,7 @@
           <a:p>
             <a:r>
               <a:rPr lang="en-US"/>
-              <a:t>© 2018, FLL Tutorials, Last Edit 8/20/2018</a:t>
+              <a:t>© 2022, FLL Tutorials</a:t>
             </a:r>
           </a:p>
         </p:txBody>
@@ -14181,9 +14180,9 @@
           <a:bodyPr/>
           <a:lstStyle/>
           <a:p>
-            <a:fld id="{963E3821-348E-4F4F-BCA6-5A5C258A8F77}" type="datetime1">
+            <a:fld id="{CA3B417C-5F91-7242-9B8E-B086A93366E1}" type="datetime1">
               <a:rPr lang="en-US" smtClean="0"/>
-              <a:t>8/20/18</a:t>
+              <a:t>10/28/22</a:t>
             </a:fld>
             <a:endParaRPr lang="en-US"/>
           </a:p>
@@ -14206,7 +14205,7 @@
           <a:p>
             <a:r>
               <a:rPr lang="en-US"/>
-              <a:t>© 2018, FLL Tutorials, Last Edit 8/20/2018</a:t>
+              <a:t>© 2022, FLL Tutorials</a:t>
             </a:r>
           </a:p>
         </p:txBody>
@@ -14635,9 +14634,9 @@
           <a:bodyPr/>
           <a:lstStyle/>
           <a:p>
-            <a:fld id="{D732C505-1015-714B-94AD-95564BF3E451}" type="datetime1">
+            <a:fld id="{03F6542B-C4A2-EA44-BEFE-01A74F527DDE}" type="datetime1">
               <a:rPr lang="en-US" smtClean="0"/>
-              <a:t>8/20/18</a:t>
+              <a:t>10/28/22</a:t>
             </a:fld>
             <a:endParaRPr lang="en-US"/>
           </a:p>
@@ -14660,7 +14659,7 @@
           <a:p>
             <a:r>
               <a:rPr lang="en-US"/>
-              <a:t>© 2018, FLL Tutorials, Last Edit 8/20/2018</a:t>
+              <a:t>© 2022, FLL Tutorials</a:t>
             </a:r>
           </a:p>
         </p:txBody>
@@ -14755,9 +14754,9 @@
           <a:bodyPr/>
           <a:lstStyle/>
           <a:p>
-            <a:fld id="{E1883D2E-91BC-6F42-B266-92CD5F47FE70}" type="datetime1">
+            <a:fld id="{79AA67C6-1E2C-A146-B2E4-BD0BAB662C85}" type="datetime1">
               <a:rPr lang="en-US" smtClean="0"/>
-              <a:t>8/20/18</a:t>
+              <a:t>10/28/22</a:t>
             </a:fld>
             <a:endParaRPr lang="en-US"/>
           </a:p>
@@ -14780,7 +14779,7 @@
           <a:p>
             <a:r>
               <a:rPr lang="en-US"/>
-              <a:t>© 2018, FLL Tutorials, Last Edit 8/20/2018</a:t>
+              <a:t>© 2022, FLL Tutorials</a:t>
             </a:r>
           </a:p>
         </p:txBody>
@@ -14861,9 +14860,9 @@
           <a:bodyPr/>
           <a:lstStyle/>
           <a:p>
-            <a:fld id="{74C28426-195C-B14D-A9A2-4F190E47774F}" type="datetime1">
+            <a:fld id="{EEDE86A6-3F71-FF40-BA15-875A30F0B1BA}" type="datetime1">
               <a:rPr lang="en-US" smtClean="0"/>
-              <a:t>8/20/18</a:t>
+              <a:t>10/28/22</a:t>
             </a:fld>
             <a:endParaRPr lang="en-US"/>
           </a:p>
@@ -14886,7 +14885,7 @@
           <a:p>
             <a:r>
               <a:rPr lang="en-US"/>
-              <a:t>© 2018, FLL Tutorials, Last Edit 8/20/2018</a:t>
+              <a:t>© 2022, FLL Tutorials</a:t>
             </a:r>
           </a:p>
         </p:txBody>
@@ -15119,9 +15118,9 @@
           <a:bodyPr/>
           <a:lstStyle/>
           <a:p>
-            <a:fld id="{E11A1462-5E27-1748-A614-47B019332DB6}" type="datetime1">
+            <a:fld id="{217A8624-C817-034B-B258-9BC72CF32C3C}" type="datetime1">
               <a:rPr lang="en-US" smtClean="0"/>
-              <a:t>8/20/18</a:t>
+              <a:t>10/28/22</a:t>
             </a:fld>
             <a:endParaRPr lang="en-US"/>
           </a:p>
@@ -15144,7 +15143,7 @@
           <a:p>
             <a:r>
               <a:rPr lang="en-US"/>
-              <a:t>© 2018, FLL Tutorials, Last Edit 8/20/2018</a:t>
+              <a:t>© 2022, FLL Tutorials</a:t>
             </a:r>
           </a:p>
         </p:txBody>
@@ -15427,9 +15426,9 @@
           <a:bodyPr/>
           <a:lstStyle/>
           <a:p>
-            <a:fld id="{3A626DC7-5DAA-474A-9EB8-6A06680C06F1}" type="datetime1">
+            <a:fld id="{2BEC3965-B911-654D-9412-93CB781432DC}" type="datetime1">
               <a:rPr lang="en-US" smtClean="0"/>
-              <a:t>8/20/18</a:t>
+              <a:t>10/28/22</a:t>
             </a:fld>
             <a:endParaRPr lang="en-US"/>
           </a:p>
@@ -15452,7 +15451,7 @@
           <a:p>
             <a:r>
               <a:rPr lang="en-US"/>
-              <a:t>© 2018, FLL Tutorials, Last Edit 8/20/2018</a:t>
+              <a:t>© 2022, FLL Tutorials</a:t>
             </a:r>
           </a:p>
         </p:txBody>
@@ -15694,9 +15693,9 @@
           <a:bodyPr/>
           <a:lstStyle/>
           <a:p>
-            <a:fld id="{2144C665-779A-0445-A7BB-E2E9E1B8CD61}" type="datetime1">
+            <a:fld id="{6C8F6CA7-52E5-5445-A605-0EC09D4C7844}" type="datetime1">
               <a:rPr lang="en-US" smtClean="0"/>
-              <a:t>8/20/18</a:t>
+              <a:t>10/28/22</a:t>
             </a:fld>
             <a:endParaRPr lang="en-US"/>
           </a:p>
@@ -15719,7 +15718,7 @@
           <a:p>
             <a:r>
               <a:rPr lang="en-US"/>
-              <a:t>© 2018, FLL Tutorials, Last Edit 8/20/2018</a:t>
+              <a:t>© 2022, FLL Tutorials</a:t>
             </a:r>
           </a:p>
         </p:txBody>
@@ -15883,9 +15882,9 @@
           <a:bodyPr/>
           <a:lstStyle/>
           <a:p>
-            <a:fld id="{E9329074-C12B-2443-9F0E-C4F7BC92F494}" type="datetime1">
+            <a:fld id="{F9A2A7AC-D048-5843-8682-A1D4E849E7AE}" type="datetime1">
               <a:rPr lang="en-US" smtClean="0"/>
-              <a:t>8/20/18</a:t>
+              <a:t>10/28/22</a:t>
             </a:fld>
             <a:endParaRPr lang="en-US"/>
           </a:p>
@@ -15908,7 +15907,7 @@
           <a:p>
             <a:r>
               <a:rPr lang="en-US"/>
-              <a:t>© 2018, FLL Tutorials, Last Edit 8/20/2018</a:t>
+              <a:t>© 2022, FLL Tutorials</a:t>
             </a:r>
           </a:p>
         </p:txBody>
@@ -16084,9 +16083,9 @@
           <a:bodyPr/>
           <a:lstStyle/>
           <a:p>
-            <a:fld id="{E892C296-B8BC-7A41-B1A1-52DB99CB401A}" type="datetime1">
+            <a:fld id="{4C7A6287-EAD6-F340-94FA-3795D491A298}" type="datetime1">
               <a:rPr lang="en-US" smtClean="0"/>
-              <a:t>8/20/18</a:t>
+              <a:t>10/28/22</a:t>
             </a:fld>
             <a:endParaRPr lang="en-US"/>
           </a:p>
@@ -16109,7 +16108,7 @@
           <a:p>
             <a:r>
               <a:rPr lang="en-US"/>
-              <a:t>© 2018, FLL Tutorials, Last Edit 8/20/2018</a:t>
+              <a:t>© 2022, FLL Tutorials</a:t>
             </a:r>
           </a:p>
         </p:txBody>
@@ -16255,9 +16254,9 @@
           <a:bodyPr/>
           <a:lstStyle/>
           <a:p>
-            <a:fld id="{4FC3B867-7844-8A4C-AF37-85EE60875CC8}" type="datetime1">
+            <a:fld id="{82240246-7049-2C45-80B0-F613649C4A3F}" type="datetime1">
               <a:rPr lang="en-US" smtClean="0"/>
-              <a:t>8/20/18</a:t>
+              <a:t>10/28/22</a:t>
             </a:fld>
             <a:endParaRPr lang="en-US"/>
           </a:p>
@@ -16280,7 +16279,7 @@
           <a:p>
             <a:r>
               <a:rPr lang="en-US"/>
-              <a:t>© 2018, FLL Tutorials, Last Edit 8/20/2018</a:t>
+              <a:t>© 2022, FLL Tutorials</a:t>
             </a:r>
           </a:p>
         </p:txBody>
@@ -16503,9 +16502,9 @@
           <a:bodyPr/>
           <a:lstStyle/>
           <a:p>
-            <a:fld id="{A69B4678-738A-9D42-B574-86ADC9CE4C7C}" type="datetime1">
+            <a:fld id="{2D2ADE0A-A377-B045-BF56-5A88BA3E12DB}" type="datetime1">
               <a:rPr lang="en-US" smtClean="0"/>
-              <a:t>8/20/18</a:t>
+              <a:t>10/28/22</a:t>
             </a:fld>
             <a:endParaRPr lang="en-US"/>
           </a:p>
@@ -16528,7 +16527,7 @@
           <a:p>
             <a:r>
               <a:rPr lang="en-US"/>
-              <a:t>© 2018, FLL Tutorials, Last Edit 8/20/2018</a:t>
+              <a:t>© 2022, FLL Tutorials</a:t>
             </a:r>
           </a:p>
         </p:txBody>
@@ -16735,9 +16734,9 @@
           <a:bodyPr/>
           <a:lstStyle/>
           <a:p>
-            <a:fld id="{C040889C-AD07-F047-8462-1D4511361276}" type="datetime1">
+            <a:fld id="{101C2136-3B57-8E4D-93BB-80A0F93293BE}" type="datetime1">
               <a:rPr lang="en-US" smtClean="0"/>
-              <a:t>8/20/18</a:t>
+              <a:t>10/28/22</a:t>
             </a:fld>
             <a:endParaRPr lang="en-US"/>
           </a:p>
@@ -16760,7 +16759,7 @@
           <a:p>
             <a:r>
               <a:rPr lang="en-US"/>
-              <a:t>© 2018, FLL Tutorials, Last Edit 8/20/2018</a:t>
+              <a:t>© 2022, FLL Tutorials</a:t>
             </a:r>
           </a:p>
         </p:txBody>
@@ -16855,9 +16854,9 @@
           <a:bodyPr/>
           <a:lstStyle/>
           <a:p>
-            <a:fld id="{22F8F31A-EA98-3E4B-A722-FD6F1DA25D32}" type="datetime1">
+            <a:fld id="{BA2B41D6-DCCB-F448-9802-6C56E0774C17}" type="datetime1">
               <a:rPr lang="en-US" smtClean="0"/>
-              <a:t>8/20/18</a:t>
+              <a:t>10/28/22</a:t>
             </a:fld>
             <a:endParaRPr lang="en-US"/>
           </a:p>
@@ -16880,7 +16879,7 @@
           <a:p>
             <a:r>
               <a:rPr lang="en-US"/>
-              <a:t>© 2018, FLL Tutorials, Last Edit 8/20/2018</a:t>
+              <a:t>© 2022, FLL Tutorials</a:t>
             </a:r>
           </a:p>
         </p:txBody>
@@ -17222,9 +17221,9 @@
           <a:bodyPr/>
           <a:lstStyle/>
           <a:p>
-            <a:fld id="{7C19B040-5A3C-9B4D-9930-B4192639C6D0}" type="datetime1">
+            <a:fld id="{3EF2EFE5-0EEE-3B48-8E30-D4EA6BA440B5}" type="datetime1">
               <a:rPr lang="en-US" smtClean="0"/>
-              <a:t>8/20/18</a:t>
+              <a:t>10/28/22</a:t>
             </a:fld>
             <a:endParaRPr lang="en-US"/>
           </a:p>
@@ -17247,7 +17246,7 @@
           <a:p>
             <a:r>
               <a:rPr lang="en-US"/>
-              <a:t>© 2018, FLL Tutorials, Last Edit 8/20/2018</a:t>
+              <a:t>© 2022, FLL Tutorials</a:t>
             </a:r>
           </a:p>
         </p:txBody>
@@ -17342,9 +17341,9 @@
           <a:bodyPr/>
           <a:lstStyle/>
           <a:p>
-            <a:fld id="{9C8FD422-1D49-274A-A18E-D1B8A0ED40F7}" type="datetime1">
+            <a:fld id="{F62E329C-E079-3B47-A34F-916D87BC2641}" type="datetime1">
               <a:rPr lang="en-US" smtClean="0"/>
-              <a:t>8/20/18</a:t>
+              <a:t>10/28/22</a:t>
             </a:fld>
             <a:endParaRPr lang="en-US"/>
           </a:p>
@@ -17367,7 +17366,7 @@
           <a:p>
             <a:r>
               <a:rPr lang="en-US"/>
-              <a:t>© 2018, FLL Tutorials, Last Edit 8/20/2018</a:t>
+              <a:t>© 2022, FLL Tutorials</a:t>
             </a:r>
           </a:p>
         </p:txBody>
@@ -17440,9 +17439,9 @@
           <a:bodyPr/>
           <a:lstStyle/>
           <a:p>
-            <a:fld id="{F874D4B7-142F-D04D-93C0-462CD2EE6E8C}" type="datetime1">
+            <a:fld id="{DC37B589-5F80-4A4E-B6B8-36F4E1954237}" type="datetime1">
               <a:rPr lang="en-US" smtClean="0"/>
-              <a:t>8/20/18</a:t>
+              <a:t>10/28/22</a:t>
             </a:fld>
             <a:endParaRPr lang="en-US"/>
           </a:p>
@@ -17465,7 +17464,7 @@
           <a:p>
             <a:r>
               <a:rPr lang="en-US"/>
-              <a:t>© 2018, FLL Tutorials, Last Edit 8/20/2018</a:t>
+              <a:t>© 2022, FLL Tutorials</a:t>
             </a:r>
           </a:p>
         </p:txBody>
@@ -17718,9 +17717,9 @@
           <a:bodyPr/>
           <a:lstStyle/>
           <a:p>
-            <a:fld id="{067C3BBF-BFB9-7647-8EB6-1F447FF4E250}" type="datetime1">
+            <a:fld id="{4D3E553A-6979-E943-B7B8-D26EDDC84BC9}" type="datetime1">
               <a:rPr lang="en-US" smtClean="0"/>
-              <a:t>8/20/18</a:t>
+              <a:t>10/28/22</a:t>
             </a:fld>
             <a:endParaRPr lang="en-US"/>
           </a:p>
@@ -17743,7 +17742,7 @@
           <a:p>
             <a:r>
               <a:rPr lang="en-US"/>
-              <a:t>© 2018, FLL Tutorials, Last Edit 8/20/2018</a:t>
+              <a:t>© 2022, FLL Tutorials</a:t>
             </a:r>
           </a:p>
         </p:txBody>
@@ -17976,9 +17975,9 @@
           <a:bodyPr/>
           <a:lstStyle/>
           <a:p>
-            <a:fld id="{1B89B487-DBD3-444B-8CA7-60534D55C61E}" type="datetime1">
+            <a:fld id="{66A73E2F-0F8A-0545-8ECD-417442ED028D}" type="datetime1">
               <a:rPr lang="en-US" smtClean="0"/>
-              <a:t>8/20/18</a:t>
+              <a:t>10/28/22</a:t>
             </a:fld>
             <a:endParaRPr lang="en-US"/>
           </a:p>
@@ -18001,7 +18000,7 @@
           <a:p>
             <a:r>
               <a:rPr lang="en-US"/>
-              <a:t>© 2018, FLL Tutorials, Last Edit 8/20/2018</a:t>
+              <a:t>© 2022, FLL Tutorials</a:t>
             </a:r>
           </a:p>
         </p:txBody>
@@ -18147,9 +18146,9 @@
           <a:bodyPr/>
           <a:lstStyle/>
           <a:p>
-            <a:fld id="{044A6D7D-7A63-B040-9C08-D4EB4F199866}" type="datetime1">
+            <a:fld id="{2031D415-803C-274A-8BD7-7D5E08F7044B}" type="datetime1">
               <a:rPr lang="en-US" smtClean="0"/>
-              <a:t>8/20/18</a:t>
+              <a:t>10/28/22</a:t>
             </a:fld>
             <a:endParaRPr lang="en-US"/>
           </a:p>
@@ -18172,7 +18171,7 @@
           <a:p>
             <a:r>
               <a:rPr lang="en-US"/>
-              <a:t>© 2018, FLL Tutorials, Last Edit 8/20/2018</a:t>
+              <a:t>© 2022, FLL Tutorials</a:t>
             </a:r>
           </a:p>
         </p:txBody>
@@ -18328,9 +18327,9 @@
           <a:bodyPr/>
           <a:lstStyle/>
           <a:p>
-            <a:fld id="{CFC90AAF-E81B-8443-BBBC-487B87304018}" type="datetime1">
+            <a:fld id="{F0E89762-0E5E-2A42-A3DF-9EADEF3445A8}" type="datetime1">
               <a:rPr lang="en-US" smtClean="0"/>
-              <a:t>8/20/18</a:t>
+              <a:t>10/28/22</a:t>
             </a:fld>
             <a:endParaRPr lang="en-US"/>
           </a:p>
@@ -18353,7 +18352,7 @@
           <a:p>
             <a:r>
               <a:rPr lang="en-US"/>
-              <a:t>© 2018, FLL Tutorials, Last Edit 8/20/2018</a:t>
+              <a:t>© 2022, FLL Tutorials</a:t>
             </a:r>
           </a:p>
         </p:txBody>
@@ -18645,9 +18644,9 @@
             </a:lvl1pPr>
           </a:lstStyle>
           <a:p>
-            <a:fld id="{842ED20C-2F66-9F49-A899-7D83DBD4DD5D}" type="datetime1">
+            <a:fld id="{963EF851-2BBB-4D4B-B50A-585CE0C51242}" type="datetime1">
               <a:rPr lang="en-US" smtClean="0"/>
-              <a:t>8/20/18</a:t>
+              <a:t>10/28/22</a:t>
             </a:fld>
             <a:endParaRPr lang="en-US"/>
           </a:p>
@@ -18689,7 +18688,7 @@
           <a:p>
             <a:r>
               <a:rPr lang="en-US"/>
-              <a:t>© 2018, FLL Tutorials, Last Edit 8/20/2018</a:t>
+              <a:t>© 2022, FLL Tutorials</a:t>
             </a:r>
           </a:p>
         </p:txBody>
@@ -18978,9 +18977,9 @@
             </a:lvl1pPr>
           </a:lstStyle>
           <a:p>
-            <a:fld id="{361B8672-FB59-D947-ADC5-242F387D0C94}" type="datetime1">
+            <a:fld id="{F5C7CB57-1E3D-914C-9D1A-5E7423A6F715}" type="datetime1">
               <a:rPr lang="en-US" smtClean="0"/>
-              <a:t>8/20/18</a:t>
+              <a:t>10/28/22</a:t>
             </a:fld>
             <a:endParaRPr lang="en-US"/>
           </a:p>
@@ -19025,7 +19024,7 @@
           <a:p>
             <a:r>
               <a:rPr lang="en-US"/>
-              <a:t>© 2018, FLL Tutorials, Last Edit 8/20/2018</a:t>
+              <a:t>© 2022, FLL Tutorials</a:t>
             </a:r>
           </a:p>
         </p:txBody>
@@ -19432,7 +19431,7 @@
             <a:fld id="{B61BEF0D-F0BB-DE4B-95CE-6DB70DBA9567}" type="datetimeFigureOut">
               <a:rPr lang="en-US" smtClean="0"/>
               <a:pPr/>
-              <a:t>8/20/18</a:t>
+              <a:t>10/28/22</a:t>
             </a:fld>
             <a:endParaRPr lang="en-US" dirty="0"/>
           </a:p>
@@ -19748,9 +19747,9 @@
           <a:bodyPr/>
           <a:lstStyle/>
           <a:p>
-            <a:fld id="{E0C90EF3-D77B-1F45-AA7D-E0545A4544D3}" type="datetime1">
+            <a:fld id="{5BE333F6-0160-DA43-825C-21CA5750DE6D}" type="datetime1">
               <a:rPr lang="en-US" smtClean="0"/>
-              <a:t>8/20/18</a:t>
+              <a:t>10/28/22</a:t>
             </a:fld>
             <a:endParaRPr lang="en-US"/>
           </a:p>
@@ -19773,7 +19772,7 @@
           <a:p>
             <a:r>
               <a:rPr lang="en-US"/>
-              <a:t>© 2018, FLL Tutorials, Last Edit 8/20/2018</a:t>
+              <a:t>© 2022, FLL Tutorials</a:t>
             </a:r>
           </a:p>
         </p:txBody>
@@ -20034,9 +20033,9 @@
           <a:bodyPr/>
           <a:lstStyle/>
           <a:p>
-            <a:fld id="{79F4CB55-4162-054B-AD45-427F9A640CE8}" type="datetime1">
+            <a:fld id="{257972EA-F0B3-794D-876D-F5B52F506A06}" type="datetime1">
               <a:rPr lang="en-US" smtClean="0"/>
-              <a:t>8/20/18</a:t>
+              <a:t>10/28/22</a:t>
             </a:fld>
             <a:endParaRPr lang="en-US"/>
           </a:p>
@@ -20067,7 +20066,7 @@
           <a:p>
             <a:r>
               <a:rPr lang="en-US"/>
-              <a:t>© 2018, FLL Tutorials, Last Edit 8/20/2018</a:t>
+              <a:t>© 2022, FLL Tutorials</a:t>
             </a:r>
           </a:p>
         </p:txBody>
@@ -20482,9 +20481,9 @@
           <a:bodyPr/>
           <a:lstStyle/>
           <a:p>
-            <a:fld id="{2833846D-5DD3-8541-A15F-C065115A569D}" type="datetime1">
+            <a:fld id="{33E4F7F4-1BCE-EE43-9014-DC71FFB2633D}" type="datetime1">
               <a:rPr lang="en-US" smtClean="0"/>
-              <a:t>8/20/18</a:t>
+              <a:t>10/28/22</a:t>
             </a:fld>
             <a:endParaRPr lang="en-US"/>
           </a:p>
@@ -20515,7 +20514,7 @@
           <a:p>
             <a:r>
               <a:rPr lang="en-US"/>
-              <a:t>© 2018, FLL Tutorials, Last Edit 8/20/2018</a:t>
+              <a:t>© 2022, FLL Tutorials</a:t>
             </a:r>
           </a:p>
         </p:txBody>
@@ -20666,9 +20665,9 @@
           <a:bodyPr/>
           <a:lstStyle/>
           <a:p>
-            <a:fld id="{F50A0D64-27EC-B745-B35F-B787153B616E}" type="datetime1">
+            <a:fld id="{18FF3242-35D3-234A-A12A-C6D63C4F86DF}" type="datetime1">
               <a:rPr lang="en-US" smtClean="0"/>
-              <a:t>8/20/18</a:t>
+              <a:t>10/28/22</a:t>
             </a:fld>
             <a:endParaRPr lang="en-US"/>
           </a:p>
@@ -20699,7 +20698,7 @@
           <a:p>
             <a:r>
               <a:rPr lang="en-US"/>
-              <a:t>© 2018, FLL Tutorials, Last Edit 8/20/2018</a:t>
+              <a:t>© 2022, FLL Tutorials</a:t>
             </a:r>
           </a:p>
         </p:txBody>
@@ -20788,9 +20787,9 @@
           <a:bodyPr/>
           <a:lstStyle/>
           <a:p>
-            <a:fld id="{0D4FD9E5-F39E-B04C-A5E0-7417DEC24F4E}" type="datetime1">
+            <a:fld id="{D668811C-A571-D546-9FAC-56BCB8663CDC}" type="datetime1">
               <a:rPr lang="en-US" smtClean="0"/>
-              <a:t>8/20/18</a:t>
+              <a:t>10/28/22</a:t>
             </a:fld>
             <a:endParaRPr lang="en-US"/>
           </a:p>
@@ -20821,7 +20820,7 @@
           <a:p>
             <a:r>
               <a:rPr lang="en-US"/>
-              <a:t>© 2018, FLL Tutorials, Last Edit 8/20/2018</a:t>
+              <a:t>© 2022, FLL Tutorials</a:t>
             </a:r>
           </a:p>
         </p:txBody>
@@ -21193,9 +21192,9 @@
             </a:lvl1pPr>
           </a:lstStyle>
           <a:p>
-            <a:fld id="{34CB0919-9779-A540-9557-7E977D10ABAB}" type="datetime1">
+            <a:fld id="{64CCAFAB-DEEF-E146-895E-5BACCE2B154F}" type="datetime1">
               <a:rPr lang="en-US" smtClean="0"/>
-              <a:t>8/20/18</a:t>
+              <a:t>10/28/22</a:t>
             </a:fld>
             <a:endParaRPr lang="en-US"/>
           </a:p>
@@ -21237,7 +21236,7 @@
           <a:p>
             <a:r>
               <a:rPr lang="en-US"/>
-              <a:t>© 2018, FLL Tutorials, Last Edit 8/20/2018</a:t>
+              <a:t>© 2022, FLL Tutorials</a:t>
             </a:r>
           </a:p>
         </p:txBody>
@@ -21509,9 +21508,9 @@
           <a:bodyPr/>
           <a:lstStyle/>
           <a:p>
-            <a:fld id="{5A48AC02-8371-4342-A688-0B28DF33F023}" type="datetime1">
+            <a:fld id="{90FF0907-C5E4-544C-889A-535B83DA72B4}" type="datetime1">
               <a:rPr lang="en-US" smtClean="0"/>
-              <a:t>8/20/18</a:t>
+              <a:t>10/28/22</a:t>
             </a:fld>
             <a:endParaRPr lang="en-US"/>
           </a:p>
@@ -21542,7 +21541,7 @@
           <a:p>
             <a:r>
               <a:rPr lang="en-US"/>
-              <a:t>© 2018, FLL Tutorials, Last Edit 8/20/2018</a:t>
+              <a:t>© 2022, FLL Tutorials</a:t>
             </a:r>
           </a:p>
         </p:txBody>
@@ -21761,9 +21760,9 @@
           <a:bodyPr/>
           <a:lstStyle/>
           <a:p>
-            <a:fld id="{5A9FF957-CB29-9C45-98C3-07089F10F925}" type="datetime1">
+            <a:fld id="{63E4592B-1FD7-7A4C-BBB2-69CC31184B78}" type="datetime1">
               <a:rPr lang="en-US" smtClean="0"/>
-              <a:t>8/20/18</a:t>
+              <a:t>10/28/22</a:t>
             </a:fld>
             <a:endParaRPr lang="en-US"/>
           </a:p>
@@ -21794,7 +21793,7 @@
           <a:p>
             <a:r>
               <a:rPr lang="en-US"/>
-              <a:t>© 2018, FLL Tutorials, Last Edit 8/20/2018</a:t>
+              <a:t>© 2022, FLL Tutorials</a:t>
             </a:r>
           </a:p>
         </p:txBody>
@@ -22018,9 +22017,9 @@
             </a:lvl1pPr>
           </a:lstStyle>
           <a:p>
-            <a:fld id="{1BBE0C83-5D44-884E-A76B-E176D882ABB6}" type="datetime1">
+            <a:fld id="{CE4E3273-707A-6647-9FC7-EED04AAB206E}" type="datetime1">
               <a:rPr lang="en-US" smtClean="0"/>
-              <a:t>8/20/18</a:t>
+              <a:t>10/28/22</a:t>
             </a:fld>
             <a:endParaRPr lang="en-US"/>
           </a:p>
@@ -22051,7 +22050,7 @@
           <a:p>
             <a:r>
               <a:rPr lang="en-US"/>
-              <a:t>© 2018, FLL Tutorials, Last Edit 8/20/2018</a:t>
+              <a:t>© 2022, FLL Tutorials</a:t>
             </a:r>
           </a:p>
         </p:txBody>
@@ -22295,9 +22294,9 @@
           <a:bodyPr/>
           <a:lstStyle/>
           <a:p>
-            <a:fld id="{238E1AB9-5D8B-C54D-BA63-96DBF68052BA}" type="datetime1">
+            <a:fld id="{087AF170-ADB5-DA4F-8E7D-2CB5E2690CDC}" type="datetime1">
               <a:rPr lang="en-US" smtClean="0"/>
-              <a:t>8/20/18</a:t>
+              <a:t>10/28/22</a:t>
             </a:fld>
             <a:endParaRPr lang="en-US"/>
           </a:p>
@@ -22320,7 +22319,7 @@
           <a:p>
             <a:r>
               <a:rPr lang="en-US"/>
-              <a:t>© 2018, FLL Tutorials, Last Edit 8/20/2018</a:t>
+              <a:t>© 2022, FLL Tutorials</a:t>
             </a:r>
           </a:p>
         </p:txBody>
@@ -22595,9 +22594,9 @@
           <a:bodyPr/>
           <a:lstStyle/>
           <a:p>
-            <a:fld id="{A31DA23E-941F-5742-AD7C-C0918D4A4666}" type="datetime1">
+            <a:fld id="{24C63196-4D05-F743-BEF3-7E71C6724AA9}" type="datetime1">
               <a:rPr lang="en-US" smtClean="0"/>
-              <a:t>8/20/18</a:t>
+              <a:t>10/28/22</a:t>
             </a:fld>
             <a:endParaRPr lang="en-US"/>
           </a:p>
@@ -22620,7 +22619,7 @@
           <a:p>
             <a:r>
               <a:rPr lang="en-US"/>
-              <a:t>© 2018, FLL Tutorials, Last Edit 8/20/2018</a:t>
+              <a:t>© 2022, FLL Tutorials</a:t>
             </a:r>
           </a:p>
         </p:txBody>
@@ -22896,9 +22895,9 @@
             </a:lvl1pPr>
           </a:lstStyle>
           <a:p>
-            <a:fld id="{83451022-EBC5-3740-85A2-1D5B1F2167FA}" type="datetime1">
+            <a:fld id="{84029168-3E5F-F748-8D9A-ED87233B5602}" type="datetime1">
               <a:rPr lang="en-US" smtClean="0"/>
-              <a:t>8/20/18</a:t>
+              <a:t>10/28/22</a:t>
             </a:fld>
             <a:endParaRPr lang="en-US"/>
           </a:p>
@@ -22937,7 +22936,7 @@
           <a:p>
             <a:r>
               <a:rPr lang="en-US"/>
-              <a:t>© 2018, FLL Tutorials, Last Edit 8/20/2018</a:t>
+              <a:t>© 2022, FLL Tutorials</a:t>
             </a:r>
           </a:p>
         </p:txBody>
@@ -23848,9 +23847,9 @@
             </a:lvl1pPr>
           </a:lstStyle>
           <a:p>
-            <a:fld id="{754AD461-BE8C-E14A-8588-330D43E07447}" type="datetime1">
+            <a:fld id="{1720C06B-11D1-6B4B-BC4E-B9AD7560F766}" type="datetime1">
               <a:rPr lang="en-US" smtClean="0"/>
-              <a:t>8/20/18</a:t>
+              <a:t>10/28/22</a:t>
             </a:fld>
             <a:endParaRPr lang="en-US"/>
           </a:p>
@@ -23889,7 +23888,7 @@
           <a:p>
             <a:r>
               <a:rPr lang="en-US"/>
-              <a:t>© 2018, FLL Tutorials, Last Edit 8/20/2018</a:t>
+              <a:t>© 2022, FLL Tutorials</a:t>
             </a:r>
           </a:p>
         </p:txBody>
@@ -24906,9 +24905,9 @@
             </a:lvl1pPr>
           </a:lstStyle>
           <a:p>
-            <a:fld id="{F7AA1BA4-8216-7F44-A98E-D3E86A8F0ED3}" type="datetime1">
+            <a:fld id="{E0DF89E3-5BB9-C545-9AE3-A1A6AA2EFFBB}" type="datetime1">
               <a:rPr lang="en-US" smtClean="0"/>
-              <a:t>8/20/18</a:t>
+              <a:t>10/28/22</a:t>
             </a:fld>
             <a:endParaRPr lang="en-US"/>
           </a:p>
@@ -24949,7 +24948,7 @@
           <a:p>
             <a:r>
               <a:rPr lang="en-US"/>
-              <a:t>© 2018, FLL Tutorials, Last Edit 8/20/2018</a:t>
+              <a:t>© 2022, FLL Tutorials</a:t>
             </a:r>
           </a:p>
         </p:txBody>
@@ -25448,9 +25447,9 @@
             </a:lvl1pPr>
           </a:lstStyle>
           <a:p>
-            <a:fld id="{4A34F214-6C58-2D44-BF26-0B66DA61FD81}" type="datetime1">
+            <a:fld id="{133638C4-5777-C846-AE87-2393342227EA}" type="datetime1">
               <a:rPr lang="en-US" smtClean="0"/>
-              <a:t>8/20/18</a:t>
+              <a:t>10/28/22</a:t>
             </a:fld>
             <a:endParaRPr lang="en-US"/>
           </a:p>
@@ -25489,7 +25488,7 @@
           <a:p>
             <a:r>
               <a:rPr lang="en-US"/>
-              <a:t>© 2018, FLL Tutorials, Last Edit 8/20/2018</a:t>
+              <a:t>© 2022, FLL Tutorials</a:t>
             </a:r>
           </a:p>
         </p:txBody>
@@ -26817,9 +26816,9 @@
             </a:lvl1pPr>
           </a:lstStyle>
           <a:p>
-            <a:fld id="{CE07A38A-9955-8F49-BBCC-BA5923A5148B}" type="datetime1">
+            <a:fld id="{91CD32FE-9C7A-F843-98BA-41C07BA0F87F}" type="datetime1">
               <a:rPr lang="en-US" smtClean="0"/>
-              <a:t>8/20/18</a:t>
+              <a:t>10/28/22</a:t>
             </a:fld>
             <a:endParaRPr lang="en-US"/>
           </a:p>
@@ -26858,7 +26857,7 @@
           <a:p>
             <a:r>
               <a:rPr lang="en-US"/>
-              <a:t>© 2018, FLL Tutorials, Last Edit 8/20/2018</a:t>
+              <a:t>© 2022, FLL Tutorials</a:t>
             </a:r>
           </a:p>
         </p:txBody>
@@ -27895,9 +27894,9 @@
             </a:lvl1pPr>
           </a:lstStyle>
           <a:p>
-            <a:fld id="{0F87F909-619C-9F4B-A47C-8957138E461E}" type="datetime1">
+            <a:fld id="{BF020807-C149-6141-A33C-0A36C19B59BA}" type="datetime1">
               <a:rPr lang="en-US" smtClean="0"/>
-              <a:t>8/20/18</a:t>
+              <a:t>10/28/22</a:t>
             </a:fld>
             <a:endParaRPr lang="en-US"/>
           </a:p>
@@ -27938,7 +27937,7 @@
           <a:p>
             <a:r>
               <a:rPr lang="en-US"/>
-              <a:t>© 2018, FLL Tutorials, Last Edit 8/20/2018</a:t>
+              <a:t>© 2022, FLL Tutorials</a:t>
             </a:r>
           </a:p>
         </p:txBody>
@@ -28557,9 +28556,9 @@
             </a:lvl1pPr>
           </a:lstStyle>
           <a:p>
-            <a:fld id="{4F77B9CD-B829-5E4B-94C3-C35481576D28}" type="datetime1">
+            <a:fld id="{4C1A03D6-0ED2-5545-8D86-10AF01F4FBE7}" type="datetime1">
               <a:rPr lang="en-US" smtClean="0"/>
-              <a:t>8/20/18</a:t>
+              <a:t>10/28/22</a:t>
             </a:fld>
             <a:endParaRPr lang="en-US"/>
           </a:p>
@@ -28607,7 +28606,7 @@
           <a:p>
             <a:r>
               <a:rPr lang="en-US"/>
-              <a:t>© 2018, FLL Tutorials, Last Edit 8/20/2018</a:t>
+              <a:t>© 2022, FLL Tutorials</a:t>
             </a:r>
           </a:p>
         </p:txBody>
@@ -29247,17 +29246,17 @@
           <a:p>
             <a:r>
               <a:rPr lang="en-US"/>
-              <a:t>© 2018, FLL Tutorials, Last Edit 8/20/2018</a:t>
+              <a:t>© 2022, FLL Tutorials</a:t>
             </a:r>
           </a:p>
         </p:txBody>
       </p:sp>
       <p:grpSp>
         <p:nvGrpSpPr>
-          <p:cNvPr id="6" name="Group 5">
+          <p:cNvPr id="15" name="Group 14">
             <a:extLst>
               <a:ext uri="{FF2B5EF4-FFF2-40B4-BE49-F238E27FC236}">
-                <a16:creationId xmlns:a16="http://schemas.microsoft.com/office/drawing/2014/main" id="{43427906-C74B-9545-B180-6CC064D2AE85}"/>
+                <a16:creationId xmlns:a16="http://schemas.microsoft.com/office/drawing/2014/main" id="{0555F642-E35D-45F7-6E7E-083039715D1D}"/>
               </a:ext>
             </a:extLst>
           </p:cNvPr>
@@ -29266,18 +29265,18 @@
         </p:nvGrpSpPr>
         <p:grpSpPr>
           <a:xfrm>
-            <a:off x="1972934" y="3511943"/>
-            <a:ext cx="5575202" cy="2703973"/>
-            <a:chOff x="848141" y="2526181"/>
-            <a:chExt cx="7474224" cy="3624999"/>
+            <a:off x="1973157" y="3206913"/>
+            <a:ext cx="6182837" cy="3070927"/>
+            <a:chOff x="1973157" y="3206913"/>
+            <a:chExt cx="6182837" cy="3070927"/>
           </a:xfrm>
         </p:grpSpPr>
         <p:pic>
           <p:nvPicPr>
-            <p:cNvPr id="7" name="Picture 6">
+            <p:cNvPr id="12" name="Picture 11" descr="A picture containing map&#10;&#10;Description automatically generated">
               <a:extLst>
                 <a:ext uri="{FF2B5EF4-FFF2-40B4-BE49-F238E27FC236}">
-                  <a16:creationId xmlns:a16="http://schemas.microsoft.com/office/drawing/2014/main" id="{464FBE49-60BF-7E4D-84C2-329704DE305E}"/>
+                  <a16:creationId xmlns:a16="http://schemas.microsoft.com/office/drawing/2014/main" id="{459E3452-EF23-7D07-BF68-C67E0D4511F9}"/>
                 </a:ext>
               </a:extLst>
             </p:cNvPr>
@@ -29287,10 +29286,10 @@
             <p:nvPr/>
           </p:nvPicPr>
           <p:blipFill>
-            <a:blip r:embed="rId2" cstate="screen">
+            <a:blip r:embed="rId2">
               <a:extLst>
                 <a:ext uri="{28A0092B-C50C-407E-A947-70E740481C1C}">
-                  <a14:useLocalDpi xmlns:a14="http://schemas.microsoft.com/office/drawing/2010/main"/>
+                  <a14:useLocalDpi xmlns:a14="http://schemas.microsoft.com/office/drawing/2010/main" val="0"/>
                 </a:ext>
               </a:extLst>
             </a:blip>
@@ -29300,8 +29299,8 @@
           </p:blipFill>
           <p:spPr>
             <a:xfrm>
-              <a:off x="848141" y="2526181"/>
-              <a:ext cx="7474224" cy="3624999"/>
+              <a:off x="1973157" y="3285976"/>
+              <a:ext cx="6182837" cy="2991864"/>
             </a:xfrm>
             <a:prstGeom prst="rect">
               <a:avLst/>
@@ -29322,8 +29321,8 @@
           </p:nvSpPr>
           <p:spPr>
             <a:xfrm>
-              <a:off x="5642868" y="3800061"/>
-              <a:ext cx="738054" cy="622852"/>
+              <a:off x="4789309" y="3206913"/>
+              <a:ext cx="550532" cy="464600"/>
             </a:xfrm>
             <a:prstGeom prst="ellipse">
               <a:avLst/>
@@ -29369,13 +29368,15 @@
                 </a:ext>
               </a:extLst>
             </p:cNvPr>
-            <p:cNvCxnSpPr/>
+            <p:cNvCxnSpPr>
+              <a:cxnSpLocks/>
+            </p:cNvCxnSpPr>
             <p:nvPr/>
           </p:nvCxnSpPr>
           <p:spPr>
             <a:xfrm>
-              <a:off x="1404730" y="5380383"/>
-              <a:ext cx="3578087" cy="0"/>
+              <a:off x="3234519" y="5640960"/>
+              <a:ext cx="1822568" cy="0"/>
             </a:xfrm>
             <a:prstGeom prst="straightConnector1">
               <a:avLst/>
@@ -29418,96 +29419,8 @@
           </p:nvCxnSpPr>
           <p:spPr>
             <a:xfrm flipH="1" flipV="1">
-              <a:off x="4981472" y="2712720"/>
-              <a:ext cx="11385" cy="2502011"/>
-            </a:xfrm>
-            <a:prstGeom prst="straightConnector1">
-              <a:avLst/>
-            </a:prstGeom>
-            <a:ln w="76200">
-              <a:solidFill>
-                <a:srgbClr val="FF0000"/>
-              </a:solidFill>
-              <a:tailEnd type="triangle"/>
-            </a:ln>
-          </p:spPr>
-          <p:style>
-            <a:lnRef idx="1">
-              <a:schemeClr val="accent1"/>
-            </a:lnRef>
-            <a:fillRef idx="0">
-              <a:schemeClr val="accent1"/>
-            </a:fillRef>
-            <a:effectRef idx="0">
-              <a:schemeClr val="accent1"/>
-            </a:effectRef>
-            <a:fontRef idx="minor">
-              <a:schemeClr val="tx1"/>
-            </a:fontRef>
-          </p:style>
-        </p:cxnSp>
-        <p:cxnSp>
-          <p:nvCxnSpPr>
-            <p:cNvPr id="11" name="Straight Arrow Connector 10">
-              <a:extLst>
-                <a:ext uri="{FF2B5EF4-FFF2-40B4-BE49-F238E27FC236}">
-                  <a16:creationId xmlns:a16="http://schemas.microsoft.com/office/drawing/2014/main" id="{05F02A5E-ADD3-5748-BDDF-9AADE471B688}"/>
-                </a:ext>
-              </a:extLst>
-            </p:cNvPr>
-            <p:cNvCxnSpPr>
-              <a:cxnSpLocks/>
-            </p:cNvCxnSpPr>
-            <p:nvPr/>
-          </p:nvCxnSpPr>
-          <p:spPr>
-            <a:xfrm>
-              <a:off x="5135217" y="2712720"/>
-              <a:ext cx="0" cy="985520"/>
-            </a:xfrm>
-            <a:prstGeom prst="straightConnector1">
-              <a:avLst/>
-            </a:prstGeom>
-            <a:ln w="76200">
-              <a:solidFill>
-                <a:srgbClr val="FF0000"/>
-              </a:solidFill>
-              <a:tailEnd type="triangle"/>
-            </a:ln>
-          </p:spPr>
-          <p:style>
-            <a:lnRef idx="1">
-              <a:schemeClr val="accent1"/>
-            </a:lnRef>
-            <a:fillRef idx="0">
-              <a:schemeClr val="accent1"/>
-            </a:fillRef>
-            <a:effectRef idx="0">
-              <a:schemeClr val="accent1"/>
-            </a:effectRef>
-            <a:fontRef idx="minor">
-              <a:schemeClr val="tx1"/>
-            </a:fontRef>
-          </p:style>
-        </p:cxnSp>
-        <p:cxnSp>
-          <p:nvCxnSpPr>
-            <p:cNvPr id="13" name="Straight Arrow Connector 12">
-              <a:extLst>
-                <a:ext uri="{FF2B5EF4-FFF2-40B4-BE49-F238E27FC236}">
-                  <a16:creationId xmlns:a16="http://schemas.microsoft.com/office/drawing/2014/main" id="{ECEA78F0-50C0-EC4E-97B3-8C85B137FF34}"/>
-                </a:ext>
-              </a:extLst>
-            </p:cNvPr>
-            <p:cNvCxnSpPr>
-              <a:cxnSpLocks/>
-            </p:cNvCxnSpPr>
-            <p:nvPr/>
-          </p:nvCxnSpPr>
-          <p:spPr>
-            <a:xfrm>
-              <a:off x="5242560" y="3698240"/>
-              <a:ext cx="873760" cy="0"/>
+              <a:off x="5056084" y="3651087"/>
+              <a:ext cx="8492" cy="1866310"/>
             </a:xfrm>
             <a:prstGeom prst="straightConnector1">
               <a:avLst/>
@@ -29548,8 +29461,8 @@
           </p:nvSpPr>
           <p:spPr>
             <a:xfrm>
-              <a:off x="2972560" y="4916859"/>
-              <a:ext cx="2252870" cy="412983"/>
+              <a:off x="3557589" y="5295207"/>
+              <a:ext cx="1680469" cy="308054"/>
             </a:xfrm>
             <a:prstGeom prst="rect">
               <a:avLst/>
@@ -29675,7 +29588,7 @@
             </a:pPr>
             <a:r>
               <a:rPr lang="en-US" sz="2000" dirty="0"/>
-              <a:t>Both begin by moving out of base (since base is white) and then turning on the motor until sensor reads white (or bright in the case of reflected light)</a:t>
+              <a:t>Both begin by moving out of Launch and then turning on the motor until sensor reads white (or bright in the case of reflected light)</a:t>
             </a:r>
           </a:p>
           <a:p>
@@ -29707,17 +29620,87 @@
           <a:p>
             <a:r>
               <a:rPr lang="en-US"/>
-              <a:t>© 2018, FLL Tutorials, Last Edit 8/20/2018</a:t>
-            </a:r>
-          </a:p>
-        </p:txBody>
-      </p:sp>
+              <a:t>© 2022, FLL Tutorials</a:t>
+            </a:r>
+          </a:p>
+        </p:txBody>
+      </p:sp>
+      <p:pic>
+        <p:nvPicPr>
+          <p:cNvPr id="12" name="Picture 11">
+            <a:extLst>
+              <a:ext uri="{FF2B5EF4-FFF2-40B4-BE49-F238E27FC236}">
+                <a16:creationId xmlns:a16="http://schemas.microsoft.com/office/drawing/2014/main" id="{879ADBC8-069A-1441-8543-52E22D51CA51}"/>
+              </a:ext>
+            </a:extLst>
+          </p:cNvPr>
+          <p:cNvPicPr>
+            <a:picLocks noChangeAspect="1"/>
+          </p:cNvPicPr>
+          <p:nvPr/>
+        </p:nvPicPr>
+        <p:blipFill rotWithShape="1">
+          <a:blip r:embed="rId2" cstate="screen">
+            <a:extLst>
+              <a:ext uri="{28A0092B-C50C-407E-A947-70E740481C1C}">
+                <a14:useLocalDpi xmlns:a14="http://schemas.microsoft.com/office/drawing/2010/main"/>
+              </a:ext>
+            </a:extLst>
+          </a:blip>
+          <a:srcRect/>
+          <a:stretch/>
+        </p:blipFill>
+        <p:spPr>
+          <a:xfrm>
+            <a:off x="4948238" y="4943916"/>
+            <a:ext cx="3622705" cy="1079500"/>
+          </a:xfrm>
+          <a:prstGeom prst="rect">
+            <a:avLst/>
+          </a:prstGeom>
+        </p:spPr>
+      </p:pic>
+      <p:pic>
+        <p:nvPicPr>
+          <p:cNvPr id="15" name="Picture 14">
+            <a:extLst>
+              <a:ext uri="{FF2B5EF4-FFF2-40B4-BE49-F238E27FC236}">
+                <a16:creationId xmlns:a16="http://schemas.microsoft.com/office/drawing/2014/main" id="{78E2C2CB-D94B-9840-A2B3-BF5F0C1BDFCA}"/>
+              </a:ext>
+            </a:extLst>
+          </p:cNvPr>
+          <p:cNvPicPr>
+            <a:picLocks noChangeAspect="1"/>
+          </p:cNvPicPr>
+          <p:nvPr/>
+        </p:nvPicPr>
+        <p:blipFill rotWithShape="1">
+          <a:blip r:embed="rId3" cstate="screen">
+            <a:extLst>
+              <a:ext uri="{28A0092B-C50C-407E-A947-70E740481C1C}">
+                <a14:useLocalDpi xmlns:a14="http://schemas.microsoft.com/office/drawing/2010/main"/>
+              </a:ext>
+            </a:extLst>
+          </a:blip>
+          <a:srcRect/>
+          <a:stretch/>
+        </p:blipFill>
+        <p:spPr>
+          <a:xfrm>
+            <a:off x="4903805" y="3889307"/>
+            <a:ext cx="3842293" cy="1003300"/>
+          </a:xfrm>
+          <a:prstGeom prst="rect">
+            <a:avLst/>
+          </a:prstGeom>
+        </p:spPr>
+      </p:pic>
       <p:grpSp>
         <p:nvGrpSpPr>
-          <p:cNvPr id="6" name="Group 5">
+          <p:cNvPr id="8" name="Group 7">
             <a:extLst>
               <a:ext uri="{FF2B5EF4-FFF2-40B4-BE49-F238E27FC236}">
-                <a16:creationId xmlns:a16="http://schemas.microsoft.com/office/drawing/2014/main" id="{93E2FCBB-B389-6E45-A736-5ADF5EED34DD}"/>
+                <a16:creationId xmlns:a16="http://schemas.microsoft.com/office/drawing/2014/main" id="{BEF7A6C4-E217-9F4D-83D9-68E956D14F95}"/>
               </a:ext>
             </a:extLst>
           </p:cNvPr>
@@ -29726,18 +29709,18 @@
         </p:nvGrpSpPr>
         <p:grpSpPr>
           <a:xfrm>
-            <a:off x="581192" y="4062202"/>
-            <a:ext cx="4157008" cy="2016149"/>
-            <a:chOff x="848141" y="2526181"/>
-            <a:chExt cx="7474224" cy="3624999"/>
+            <a:off x="457199" y="3931899"/>
+            <a:ext cx="4075078" cy="2024033"/>
+            <a:chOff x="1973157" y="3206913"/>
+            <a:chExt cx="6182837" cy="3070927"/>
           </a:xfrm>
         </p:grpSpPr>
         <p:pic>
           <p:nvPicPr>
-            <p:cNvPr id="7" name="Picture 6">
+            <p:cNvPr id="14" name="Picture 13" descr="A picture containing map&#10;&#10;Description automatically generated">
               <a:extLst>
                 <a:ext uri="{FF2B5EF4-FFF2-40B4-BE49-F238E27FC236}">
-                  <a16:creationId xmlns:a16="http://schemas.microsoft.com/office/drawing/2014/main" id="{464FBE49-60BF-7E4D-84C2-329704DE305E}"/>
+                  <a16:creationId xmlns:a16="http://schemas.microsoft.com/office/drawing/2014/main" id="{CCA5B41B-C0AD-9282-9DB9-70A824547147}"/>
                 </a:ext>
               </a:extLst>
             </p:cNvPr>
@@ -29747,10 +29730,10 @@
             <p:nvPr/>
           </p:nvPicPr>
           <p:blipFill>
-            <a:blip r:embed="rId2" cstate="screen">
+            <a:blip r:embed="rId4">
               <a:extLst>
                 <a:ext uri="{28A0092B-C50C-407E-A947-70E740481C1C}">
-                  <a14:useLocalDpi xmlns:a14="http://schemas.microsoft.com/office/drawing/2010/main"/>
+                  <a14:useLocalDpi xmlns:a14="http://schemas.microsoft.com/office/drawing/2010/main" val="0"/>
                 </a:ext>
               </a:extLst>
             </a:blip>
@@ -29760,8 +29743,8 @@
           </p:blipFill>
           <p:spPr>
             <a:xfrm>
-              <a:off x="848141" y="2526181"/>
-              <a:ext cx="7474224" cy="3624999"/>
+              <a:off x="1973157" y="3285976"/>
+              <a:ext cx="6182837" cy="2991864"/>
             </a:xfrm>
             <a:prstGeom prst="rect">
               <a:avLst/>
@@ -29770,10 +29753,10 @@
         </p:pic>
         <p:sp>
           <p:nvSpPr>
-            <p:cNvPr id="5" name="Oval 4">
+            <p:cNvPr id="16" name="Oval 15">
               <a:extLst>
                 <a:ext uri="{FF2B5EF4-FFF2-40B4-BE49-F238E27FC236}">
-                  <a16:creationId xmlns:a16="http://schemas.microsoft.com/office/drawing/2014/main" id="{3728BE5D-E362-B74E-B714-B653AF6F3157}"/>
+                  <a16:creationId xmlns:a16="http://schemas.microsoft.com/office/drawing/2014/main" id="{B94BA5CA-A9D9-CD15-CFC7-57F84F453EC7}"/>
                 </a:ext>
               </a:extLst>
             </p:cNvPr>
@@ -29782,8 +29765,8 @@
           </p:nvSpPr>
           <p:spPr>
             <a:xfrm>
-              <a:off x="5642868" y="3800061"/>
-              <a:ext cx="738054" cy="622852"/>
+              <a:off x="4789309" y="3206913"/>
+              <a:ext cx="550532" cy="464600"/>
             </a:xfrm>
             <a:prstGeom prst="ellipse">
               <a:avLst/>
@@ -29822,20 +29805,22 @@
         </p:sp>
         <p:cxnSp>
           <p:nvCxnSpPr>
-            <p:cNvPr id="9" name="Straight Arrow Connector 8">
+            <p:cNvPr id="18" name="Straight Arrow Connector 17">
               <a:extLst>
                 <a:ext uri="{FF2B5EF4-FFF2-40B4-BE49-F238E27FC236}">
-                  <a16:creationId xmlns:a16="http://schemas.microsoft.com/office/drawing/2014/main" id="{E702F607-B4C3-D444-BE0B-5EEC385A3C8F}"/>
+                  <a16:creationId xmlns:a16="http://schemas.microsoft.com/office/drawing/2014/main" id="{D2ECE6B2-2498-719B-9C72-BA7A16C1D2DC}"/>
                 </a:ext>
               </a:extLst>
             </p:cNvPr>
-            <p:cNvCxnSpPr/>
+            <p:cNvCxnSpPr>
+              <a:cxnSpLocks/>
+            </p:cNvCxnSpPr>
             <p:nvPr/>
           </p:nvCxnSpPr>
           <p:spPr>
             <a:xfrm>
-              <a:off x="1404730" y="5380383"/>
-              <a:ext cx="3578087" cy="0"/>
+              <a:off x="3234519" y="5640960"/>
+              <a:ext cx="1822568" cy="0"/>
             </a:xfrm>
             <a:prstGeom prst="straightConnector1">
               <a:avLst/>
@@ -29864,10 +29849,10 @@
         </p:cxnSp>
         <p:cxnSp>
           <p:nvCxnSpPr>
-            <p:cNvPr id="10" name="Straight Arrow Connector 9">
+            <p:cNvPr id="19" name="Straight Arrow Connector 18">
               <a:extLst>
                 <a:ext uri="{FF2B5EF4-FFF2-40B4-BE49-F238E27FC236}">
-                  <a16:creationId xmlns:a16="http://schemas.microsoft.com/office/drawing/2014/main" id="{2B68AC1A-80D1-F44C-A9FD-2485AD60A79D}"/>
+                  <a16:creationId xmlns:a16="http://schemas.microsoft.com/office/drawing/2014/main" id="{8CD1225D-2097-C990-A242-8CEE9B60971F}"/>
                 </a:ext>
               </a:extLst>
             </p:cNvPr>
@@ -29878,96 +29863,8 @@
           </p:nvCxnSpPr>
           <p:spPr>
             <a:xfrm flipH="1" flipV="1">
-              <a:off x="4981472" y="2712720"/>
-              <a:ext cx="11385" cy="2502011"/>
-            </a:xfrm>
-            <a:prstGeom prst="straightConnector1">
-              <a:avLst/>
-            </a:prstGeom>
-            <a:ln w="76200">
-              <a:solidFill>
-                <a:srgbClr val="FF0000"/>
-              </a:solidFill>
-              <a:tailEnd type="triangle"/>
-            </a:ln>
-          </p:spPr>
-          <p:style>
-            <a:lnRef idx="1">
-              <a:schemeClr val="accent1"/>
-            </a:lnRef>
-            <a:fillRef idx="0">
-              <a:schemeClr val="accent1"/>
-            </a:fillRef>
-            <a:effectRef idx="0">
-              <a:schemeClr val="accent1"/>
-            </a:effectRef>
-            <a:fontRef idx="minor">
-              <a:schemeClr val="tx1"/>
-            </a:fontRef>
-          </p:style>
-        </p:cxnSp>
-        <p:cxnSp>
-          <p:nvCxnSpPr>
-            <p:cNvPr id="11" name="Straight Arrow Connector 10">
-              <a:extLst>
-                <a:ext uri="{FF2B5EF4-FFF2-40B4-BE49-F238E27FC236}">
-                  <a16:creationId xmlns:a16="http://schemas.microsoft.com/office/drawing/2014/main" id="{05F02A5E-ADD3-5748-BDDF-9AADE471B688}"/>
-                </a:ext>
-              </a:extLst>
-            </p:cNvPr>
-            <p:cNvCxnSpPr>
-              <a:cxnSpLocks/>
-            </p:cNvCxnSpPr>
-            <p:nvPr/>
-          </p:nvCxnSpPr>
-          <p:spPr>
-            <a:xfrm>
-              <a:off x="5135217" y="2712720"/>
-              <a:ext cx="0" cy="985520"/>
-            </a:xfrm>
-            <a:prstGeom prst="straightConnector1">
-              <a:avLst/>
-            </a:prstGeom>
-            <a:ln w="76200">
-              <a:solidFill>
-                <a:srgbClr val="FF0000"/>
-              </a:solidFill>
-              <a:tailEnd type="triangle"/>
-            </a:ln>
-          </p:spPr>
-          <p:style>
-            <a:lnRef idx="1">
-              <a:schemeClr val="accent1"/>
-            </a:lnRef>
-            <a:fillRef idx="0">
-              <a:schemeClr val="accent1"/>
-            </a:fillRef>
-            <a:effectRef idx="0">
-              <a:schemeClr val="accent1"/>
-            </a:effectRef>
-            <a:fontRef idx="minor">
-              <a:schemeClr val="tx1"/>
-            </a:fontRef>
-          </p:style>
-        </p:cxnSp>
-        <p:cxnSp>
-          <p:nvCxnSpPr>
-            <p:cNvPr id="13" name="Straight Arrow Connector 12">
-              <a:extLst>
-                <a:ext uri="{FF2B5EF4-FFF2-40B4-BE49-F238E27FC236}">
-                  <a16:creationId xmlns:a16="http://schemas.microsoft.com/office/drawing/2014/main" id="{ECEA78F0-50C0-EC4E-97B3-8C85B137FF34}"/>
-                </a:ext>
-              </a:extLst>
-            </p:cNvPr>
-            <p:cNvCxnSpPr>
-              <a:cxnSpLocks/>
-            </p:cNvCxnSpPr>
-            <p:nvPr/>
-          </p:nvCxnSpPr>
-          <p:spPr>
-            <a:xfrm>
-              <a:off x="5242560" y="3698240"/>
-              <a:ext cx="873760" cy="0"/>
+              <a:off x="5056084" y="3651087"/>
+              <a:ext cx="8492" cy="1866310"/>
             </a:xfrm>
             <a:prstGeom prst="straightConnector1">
               <a:avLst/>
@@ -29996,10 +29893,10 @@
         </p:cxnSp>
         <p:sp>
           <p:nvSpPr>
-            <p:cNvPr id="17" name="TextBox 16">
+            <p:cNvPr id="20" name="TextBox 19">
               <a:extLst>
                 <a:ext uri="{FF2B5EF4-FFF2-40B4-BE49-F238E27FC236}">
-                  <a16:creationId xmlns:a16="http://schemas.microsoft.com/office/drawing/2014/main" id="{73E0A267-523F-314A-B0E1-C05B5BAD4F6F}"/>
+                  <a16:creationId xmlns:a16="http://schemas.microsoft.com/office/drawing/2014/main" id="{5044FF47-116F-D0AC-22EB-CBC08C2A1325}"/>
                 </a:ext>
               </a:extLst>
             </p:cNvPr>
@@ -30008,8 +29905,8 @@
           </p:nvSpPr>
           <p:spPr>
             <a:xfrm>
-              <a:off x="2972559" y="4916861"/>
-              <a:ext cx="2252870" cy="923458"/>
+              <a:off x="2853204" y="5106967"/>
+              <a:ext cx="2633340" cy="420272"/>
             </a:xfrm>
             <a:prstGeom prst="rect">
               <a:avLst/>
@@ -30035,76 +29932,42 @@
           </p:txBody>
         </p:sp>
       </p:grpSp>
-      <p:pic>
-        <p:nvPicPr>
-          <p:cNvPr id="12" name="Picture 11">
+      <p:sp>
+        <p:nvSpPr>
+          <p:cNvPr id="21" name="TextBox 20">
             <a:extLst>
               <a:ext uri="{FF2B5EF4-FFF2-40B4-BE49-F238E27FC236}">
-                <a16:creationId xmlns:a16="http://schemas.microsoft.com/office/drawing/2014/main" id="{879ADBC8-069A-1441-8543-52E22D51CA51}"/>
+                <a16:creationId xmlns:a16="http://schemas.microsoft.com/office/drawing/2014/main" id="{33D25099-2DC6-1C24-6CF8-69A7323DCB27}"/>
               </a:ext>
             </a:extLst>
           </p:cNvPr>
-          <p:cNvPicPr>
-            <a:picLocks noChangeAspect="1"/>
-          </p:cNvPicPr>
+          <p:cNvSpPr txBox="1"/>
           <p:nvPr/>
-        </p:nvPicPr>
-        <p:blipFill rotWithShape="1">
-          <a:blip r:embed="rId3" cstate="screen">
-            <a:extLst>
-              <a:ext uri="{28A0092B-C50C-407E-A947-70E740481C1C}">
-                <a14:useLocalDpi xmlns:a14="http://schemas.microsoft.com/office/drawing/2010/main"/>
-              </a:ext>
-            </a:extLst>
-          </a:blip>
-          <a:srcRect/>
-          <a:stretch/>
-        </p:blipFill>
+        </p:nvSpPr>
         <p:spPr>
           <a:xfrm>
-            <a:off x="4948238" y="4943916"/>
-            <a:ext cx="3622705" cy="1079500"/>
+            <a:off x="5278808" y="5890059"/>
+            <a:ext cx="2961564" cy="369332"/>
           </a:xfrm>
           <a:prstGeom prst="rect">
             <a:avLst/>
           </a:prstGeom>
+          <a:noFill/>
         </p:spPr>
-      </p:pic>
-      <p:pic>
-        <p:nvPicPr>
-          <p:cNvPr id="15" name="Picture 14">
-            <a:extLst>
-              <a:ext uri="{FF2B5EF4-FFF2-40B4-BE49-F238E27FC236}">
-                <a16:creationId xmlns:a16="http://schemas.microsoft.com/office/drawing/2014/main" id="{78E2C2CB-D94B-9840-A2B3-BF5F0C1BDFCA}"/>
-              </a:ext>
-            </a:extLst>
-          </p:cNvPr>
-          <p:cNvPicPr>
-            <a:picLocks noChangeAspect="1"/>
-          </p:cNvPicPr>
-          <p:nvPr/>
-        </p:nvPicPr>
-        <p:blipFill rotWithShape="1">
-          <a:blip r:embed="rId4" cstate="screen">
-            <a:extLst>
-              <a:ext uri="{28A0092B-C50C-407E-A947-70E740481C1C}">
-                <a14:useLocalDpi xmlns:a14="http://schemas.microsoft.com/office/drawing/2010/main"/>
-              </a:ext>
-            </a:extLst>
-          </a:blip>
-          <a:srcRect/>
-          <a:stretch/>
-        </p:blipFill>
-        <p:spPr>
-          <a:xfrm>
-            <a:off x="4903805" y="3889307"/>
-            <a:ext cx="3842293" cy="1003300"/>
-          </a:xfrm>
-          <a:prstGeom prst="rect">
-            <a:avLst/>
-          </a:prstGeom>
-        </p:spPr>
-      </p:pic>
+        <p:txBody>
+          <a:bodyPr wrap="square" rtlCol="0">
+            <a:spAutoFit/>
+          </a:bodyPr>
+          <a:lstStyle/>
+          <a:p>
+            <a:pPr algn="ctr"/>
+            <a:r>
+              <a:rPr lang="en-US" dirty="0"/>
+              <a:t>Sample code in EV3-Lab</a:t>
+            </a:r>
+          </a:p>
+        </p:txBody>
+      </p:sp>
     </p:spTree>
     <p:extLst>
       <p:ext uri="{BB962C8B-B14F-4D97-AF65-F5344CB8AC3E}">
@@ -30135,42 +29998,6 @@
           <a:chExt cx="0" cy="0"/>
         </a:xfrm>
       </p:grpSpPr>
-      <p:pic>
-        <p:nvPicPr>
-          <p:cNvPr id="12" name="Picture 11">
-            <a:extLst>
-              <a:ext uri="{FF2B5EF4-FFF2-40B4-BE49-F238E27FC236}">
-                <a16:creationId xmlns:a16="http://schemas.microsoft.com/office/drawing/2014/main" id="{6F071FC4-7A4C-7647-B45C-F60DDD244741}"/>
-              </a:ext>
-            </a:extLst>
-          </p:cNvPr>
-          <p:cNvPicPr>
-            <a:picLocks noChangeAspect="1"/>
-          </p:cNvPicPr>
-          <p:nvPr/>
-        </p:nvPicPr>
-        <p:blipFill>
-          <a:blip r:embed="rId2">
-            <a:extLst>
-              <a:ext uri="{28A0092B-C50C-407E-A947-70E740481C1C}">
-                <a14:useLocalDpi xmlns:a14="http://schemas.microsoft.com/office/drawing/2010/main"/>
-              </a:ext>
-            </a:extLst>
-          </a:blip>
-          <a:stretch>
-            <a:fillRect/>
-          </a:stretch>
-        </p:blipFill>
-        <p:spPr>
-          <a:xfrm>
-            <a:off x="7391478" y="3293091"/>
-            <a:ext cx="1358900" cy="2349500"/>
-          </a:xfrm>
-          <a:prstGeom prst="rect">
-            <a:avLst/>
-          </a:prstGeom>
-        </p:spPr>
-      </p:pic>
       <p:sp>
         <p:nvSpPr>
           <p:cNvPr id="2" name="Title 1"/>
@@ -30188,13 +30015,8 @@
           <a:p>
             <a:r>
               <a:rPr lang="en-US" dirty="0"/>
-              <a:t>Color </a:t>
-            </a:r>
-            <a:r>
-              <a:rPr lang="en-US" dirty="0" err="1"/>
-              <a:t>SensING</a:t>
-            </a:r>
-            <a:endParaRPr lang="en-US" dirty="0"/>
+              <a:t>Color Sensing</a:t>
+            </a:r>
           </a:p>
         </p:txBody>
       </p:sp>
@@ -30211,7 +30033,7 @@
         <p:spPr>
           <a:xfrm>
             <a:off x="457200" y="1628774"/>
-            <a:ext cx="6934278" cy="4560153"/>
+            <a:ext cx="8113744" cy="4560153"/>
           </a:xfrm>
         </p:spPr>
         <p:txBody>
@@ -30226,7 +30048,7 @@
             </a:pPr>
             <a:r>
               <a:rPr lang="en-US" sz="2000" dirty="0"/>
-              <a:t>In color mode, the sensor shines a whitish light on the board and tries to match the reflect light to one of 7 different standard LEGO brick colors. </a:t>
+              <a:t>In color mode, the sensor shines a whitish light on the board and tries to match the reflected light to of the standard LEGO brick colors. </a:t>
             </a:r>
           </a:p>
           <a:p>
@@ -30275,7 +30097,7 @@
           <a:p>
             <a:r>
               <a:rPr lang="en-US"/>
-              <a:t>© 2018, FLL Tutorials, Last Edit 8/20/2018</a:t>
+              <a:t>© 2022, FLL Tutorials</a:t>
             </a:r>
           </a:p>
         </p:txBody>
@@ -30350,12 +30172,12 @@
         <p:spPr>
           <a:xfrm>
             <a:off x="457200" y="1628774"/>
-            <a:ext cx="8207298" cy="2630671"/>
+            <a:ext cx="8207298" cy="4212468"/>
           </a:xfrm>
         </p:spPr>
         <p:txBody>
           <a:bodyPr>
-            <a:normAutofit fontScale="92500" lnSpcReduction="10000"/>
+            <a:normAutofit/>
           </a:bodyPr>
           <a:lstStyle/>
           <a:p>
@@ -30375,7 +30197,7 @@
             </a:pPr>
             <a:r>
               <a:rPr lang="en-US" sz="2000" dirty="0"/>
-              <a:t>First, you should try to calibrate your sensor if you are using reflected light mode. This will give you more predictable readings.</a:t>
+              <a:t>First, if you are using an EV3, you should try to calibrate your sensor if you are using reflected light mode. This will give you more predictable readings.  You do not need to calibrate your color sensor on a SPIKE Prime.</a:t>
             </a:r>
           </a:p>
           <a:p>
@@ -30385,15 +30207,8 @@
             </a:pPr>
             <a:r>
               <a:rPr lang="en-US" sz="2000" dirty="0"/>
-              <a:t>Second, the mat looks very different to the robot under the red light than it does to us in normal room lighting. The picture on the right below shows what the Hydro Dynamics mat looks like under red light. Red becomes white, while green and blue become black. </a:t>
-            </a:r>
-          </a:p>
-          <a:p>
-            <a:pPr marL="342900" indent="-342900">
-              <a:buFont typeface="Arial" charset="0"/>
-              <a:buChar char="•"/>
-            </a:pPr>
-            <a:endParaRPr lang="en-US" sz="2000" dirty="0"/>
+              <a:t>Second, the mat looks very different to the robot under the red light than it does to us in normal room lighting. </a:t>
+            </a:r>
           </a:p>
         </p:txBody>
       </p:sp>
@@ -30414,122 +30229,11 @@
           <a:p>
             <a:r>
               <a:rPr lang="en-US"/>
-              <a:t>© 2018, FLL Tutorials, Last Edit 8/20/2018</a:t>
-            </a:r>
-          </a:p>
-        </p:txBody>
-      </p:sp>
-      <p:pic>
-        <p:nvPicPr>
-          <p:cNvPr id="7" name="Picture 6">
-            <a:extLst>
-              <a:ext uri="{FF2B5EF4-FFF2-40B4-BE49-F238E27FC236}">
-                <a16:creationId xmlns:a16="http://schemas.microsoft.com/office/drawing/2014/main" id="{464FBE49-60BF-7E4D-84C2-329704DE305E}"/>
-              </a:ext>
-            </a:extLst>
-          </p:cNvPr>
-          <p:cNvPicPr>
-            <a:picLocks noChangeAspect="1"/>
-          </p:cNvPicPr>
-          <p:nvPr/>
-        </p:nvPicPr>
-        <p:blipFill>
-          <a:blip r:embed="rId2" cstate="screen">
-            <a:extLst>
-              <a:ext uri="{28A0092B-C50C-407E-A947-70E740481C1C}">
-                <a14:useLocalDpi xmlns:a14="http://schemas.microsoft.com/office/drawing/2010/main"/>
-              </a:ext>
-            </a:extLst>
-          </a:blip>
-          <a:stretch>
-            <a:fillRect/>
-          </a:stretch>
-        </p:blipFill>
-        <p:spPr>
-          <a:xfrm>
-            <a:off x="447967" y="4338931"/>
-            <a:ext cx="3586431" cy="1739419"/>
-          </a:xfrm>
-          <a:prstGeom prst="rect">
-            <a:avLst/>
-          </a:prstGeom>
-        </p:spPr>
-      </p:pic>
-      <p:pic>
-        <p:nvPicPr>
-          <p:cNvPr id="15" name="Picture 14">
-            <a:extLst>
-              <a:ext uri="{FF2B5EF4-FFF2-40B4-BE49-F238E27FC236}">
-                <a16:creationId xmlns:a16="http://schemas.microsoft.com/office/drawing/2014/main" id="{FAFCE220-D45E-8341-BDB7-F620CA140A79}"/>
-              </a:ext>
-            </a:extLst>
-          </p:cNvPr>
-          <p:cNvPicPr>
-            <a:picLocks noChangeAspect="1"/>
-          </p:cNvPicPr>
-          <p:nvPr/>
-        </p:nvPicPr>
-        <p:blipFill>
-          <a:blip r:embed="rId3" cstate="screen">
-            <a:extLst>
-              <a:ext uri="{28A0092B-C50C-407E-A947-70E740481C1C}">
-                <a14:useLocalDpi xmlns:a14="http://schemas.microsoft.com/office/drawing/2010/main"/>
-              </a:ext>
-            </a:extLst>
-          </a:blip>
-          <a:stretch>
-            <a:fillRect/>
-          </a:stretch>
-        </p:blipFill>
-        <p:spPr>
-          <a:xfrm>
-            <a:off x="4998354" y="4338931"/>
-            <a:ext cx="3586431" cy="1738875"/>
-          </a:xfrm>
-          <a:prstGeom prst="rect">
-            <a:avLst/>
-          </a:prstGeom>
-        </p:spPr>
-      </p:pic>
-      <p:cxnSp>
-        <p:nvCxnSpPr>
-          <p:cNvPr id="14" name="Straight Arrow Connector 13">
-            <a:extLst>
-              <a:ext uri="{FF2B5EF4-FFF2-40B4-BE49-F238E27FC236}">
-                <a16:creationId xmlns:a16="http://schemas.microsoft.com/office/drawing/2014/main" id="{58A84E7D-E210-3145-BFA6-6CA57BA7CF4C}"/>
-              </a:ext>
-            </a:extLst>
-          </p:cNvPr>
-          <p:cNvCxnSpPr/>
-          <p:nvPr/>
-        </p:nvCxnSpPr>
-        <p:spPr>
-          <a:xfrm>
-            <a:off x="4236474" y="5249058"/>
-            <a:ext cx="590719" cy="0"/>
-          </a:xfrm>
-          <a:prstGeom prst="straightConnector1">
-            <a:avLst/>
-          </a:prstGeom>
-          <a:ln w="117475">
-            <a:tailEnd type="triangle" w="sm" len="sm"/>
-          </a:ln>
-        </p:spPr>
-        <p:style>
-          <a:lnRef idx="1">
-            <a:schemeClr val="accent1"/>
-          </a:lnRef>
-          <a:fillRef idx="0">
-            <a:schemeClr val="accent1"/>
-          </a:fillRef>
-          <a:effectRef idx="0">
-            <a:schemeClr val="accent1"/>
-          </a:effectRef>
-          <a:fontRef idx="minor">
-            <a:schemeClr val="tx1"/>
-          </a:fontRef>
-        </p:style>
-      </p:cxnSp>
+              <a:t>© 2022, FLL Tutorials</a:t>
+            </a:r>
+          </a:p>
+        </p:txBody>
+      </p:sp>
     </p:spTree>
     <p:extLst>
       <p:ext uri="{BB962C8B-B14F-4D97-AF65-F5344CB8AC3E}">
@@ -30560,6 +30264,100 @@
           <a:chExt cx="0" cy="0"/>
         </a:xfrm>
       </p:grpSpPr>
+      <p:pic>
+        <p:nvPicPr>
+          <p:cNvPr id="6" name="Picture 5">
+            <a:extLst>
+              <a:ext uri="{FF2B5EF4-FFF2-40B4-BE49-F238E27FC236}">
+                <a16:creationId xmlns:a16="http://schemas.microsoft.com/office/drawing/2014/main" id="{71D6993B-1E30-DBE4-A92E-982120EDCADF}"/>
+              </a:ext>
+            </a:extLst>
+          </p:cNvPr>
+          <p:cNvPicPr>
+            <a:picLocks noChangeAspect="1" noChangeArrowheads="1"/>
+          </p:cNvPicPr>
+          <p:nvPr/>
+        </p:nvPicPr>
+        <p:blipFill>
+          <a:blip r:embed="rId2">
+            <a:extLst>
+              <a:ext uri="{28A0092B-C50C-407E-A947-70E740481C1C}">
+                <a14:useLocalDpi xmlns:a14="http://schemas.microsoft.com/office/drawing/2010/main" val="0"/>
+              </a:ext>
+            </a:extLst>
+          </a:blip>
+          <a:srcRect/>
+          <a:stretch>
+            <a:fillRect/>
+          </a:stretch>
+        </p:blipFill>
+        <p:spPr bwMode="auto">
+          <a:xfrm>
+            <a:off x="5607205" y="3720304"/>
+            <a:ext cx="3109019" cy="2331765"/>
+          </a:xfrm>
+          <a:prstGeom prst="rect">
+            <a:avLst/>
+          </a:prstGeom>
+          <a:noFill/>
+          <a:extLst>
+            <a:ext uri="{909E8E84-426E-40DD-AFC4-6F175D3DCCD1}">
+              <a14:hiddenFill xmlns:a14="http://schemas.microsoft.com/office/drawing/2010/main">
+                <a:solidFill>
+                  <a:srgbClr val="FFFFFF"/>
+                </a:solidFill>
+              </a14:hiddenFill>
+            </a:ext>
+          </a:extLst>
+        </p:spPr>
+      </p:pic>
+      <p:pic>
+        <p:nvPicPr>
+          <p:cNvPr id="1029" name="Picture 5">
+            <a:extLst>
+              <a:ext uri="{FF2B5EF4-FFF2-40B4-BE49-F238E27FC236}">
+                <a16:creationId xmlns:a16="http://schemas.microsoft.com/office/drawing/2014/main" id="{ACC3E0BF-AFC2-E2FB-618C-5A24C1F35B89}"/>
+              </a:ext>
+            </a:extLst>
+          </p:cNvPr>
+          <p:cNvPicPr>
+            <a:picLocks noChangeAspect="1" noChangeArrowheads="1"/>
+          </p:cNvPicPr>
+          <p:nvPr/>
+        </p:nvPicPr>
+        <p:blipFill>
+          <a:blip r:embed="rId2">
+            <a:extLst>
+              <a:ext uri="{28A0092B-C50C-407E-A947-70E740481C1C}">
+                <a14:useLocalDpi xmlns:a14="http://schemas.microsoft.com/office/drawing/2010/main" val="0"/>
+              </a:ext>
+            </a:extLst>
+          </a:blip>
+          <a:srcRect/>
+          <a:stretch>
+            <a:fillRect/>
+          </a:stretch>
+        </p:blipFill>
+        <p:spPr bwMode="auto">
+          <a:xfrm>
+            <a:off x="786463" y="3720303"/>
+            <a:ext cx="3109019" cy="2331765"/>
+          </a:xfrm>
+          <a:prstGeom prst="rect">
+            <a:avLst/>
+          </a:prstGeom>
+          <a:noFill/>
+          <a:extLst>
+            <a:ext uri="{909E8E84-426E-40DD-AFC4-6F175D3DCCD1}">
+              <a14:hiddenFill xmlns:a14="http://schemas.microsoft.com/office/drawing/2010/main">
+                <a:solidFill>
+                  <a:srgbClr val="FFFFFF"/>
+                </a:solidFill>
+              </a14:hiddenFill>
+            </a:ext>
+          </a:extLst>
+        </p:spPr>
+      </p:pic>
       <p:sp>
         <p:nvSpPr>
           <p:cNvPr id="2" name="Title 1"/>
@@ -30620,7 +30418,7 @@
             </a:pPr>
             <a:r>
               <a:rPr lang="en-US" sz="2000" dirty="0"/>
-              <a:t>The solution is to move close to the line before having the robot start searching for white</a:t>
+              <a:t>One solution is to move close to the line before having the robot start searching for white</a:t>
             </a:r>
           </a:p>
           <a:p>
@@ -30657,7 +30455,7 @@
           <a:p>
             <a:r>
               <a:rPr lang="en-US"/>
-              <a:t>© 2018, FLL Tutorials, Last Edit 8/20/2018</a:t>
+              <a:t>© 2022, FLL Tutorials</a:t>
             </a:r>
           </a:p>
         </p:txBody>
@@ -30671,13 +30469,15 @@
               </a:ext>
             </a:extLst>
           </p:cNvPr>
-          <p:cNvCxnSpPr/>
+          <p:cNvCxnSpPr>
+            <a:cxnSpLocks/>
+          </p:cNvCxnSpPr>
           <p:nvPr/>
         </p:nvCxnSpPr>
         <p:spPr>
           <a:xfrm>
-            <a:off x="4080360" y="5003730"/>
-            <a:ext cx="590719" cy="0"/>
+            <a:off x="4180114" y="4840232"/>
+            <a:ext cx="1127139" cy="0"/>
           </a:xfrm>
           <a:prstGeom prst="straightConnector1">
             <a:avLst/>
@@ -30701,41 +30501,6 @@
           </a:fontRef>
         </p:style>
       </p:cxnSp>
-      <p:pic>
-        <p:nvPicPr>
-          <p:cNvPr id="19" name="Picture 18">
-            <a:extLst>
-              <a:ext uri="{FF2B5EF4-FFF2-40B4-BE49-F238E27FC236}">
-                <a16:creationId xmlns:a16="http://schemas.microsoft.com/office/drawing/2014/main" id="{11D62988-375B-0844-A62B-07699326B0D2}"/>
-              </a:ext>
-            </a:extLst>
-          </p:cNvPr>
-          <p:cNvPicPr>
-            <a:picLocks noChangeAspect="1"/>
-          </p:cNvPicPr>
-          <p:nvPr/>
-        </p:nvPicPr>
-        <p:blipFill rotWithShape="1">
-          <a:blip r:embed="rId2" cstate="screen">
-            <a:extLst>
-              <a:ext uri="{28A0092B-C50C-407E-A947-70E740481C1C}">
-                <a14:useLocalDpi xmlns:a14="http://schemas.microsoft.com/office/drawing/2010/main"/>
-              </a:ext>
-            </a:extLst>
-          </a:blip>
-          <a:srcRect/>
-          <a:stretch/>
-        </p:blipFill>
-        <p:spPr>
-          <a:xfrm>
-            <a:off x="581191" y="3623795"/>
-            <a:ext cx="3143315" cy="2662695"/>
-          </a:xfrm>
-          <a:prstGeom prst="rect">
-            <a:avLst/>
-          </a:prstGeom>
-        </p:spPr>
-      </p:pic>
       <p:cxnSp>
         <p:nvCxnSpPr>
           <p:cNvPr id="21" name="Straight Arrow Connector 20">
@@ -30752,7 +30517,7 @@
         </p:nvCxnSpPr>
         <p:spPr>
           <a:xfrm>
-            <a:off x="1261526" y="5472081"/>
+            <a:off x="774438" y="4497438"/>
             <a:ext cx="2039235" cy="0"/>
           </a:xfrm>
           <a:prstGeom prst="straightConnector1">
@@ -30794,7 +30559,7 @@
         </p:nvSpPr>
         <p:spPr>
           <a:xfrm>
-            <a:off x="1182030" y="5107479"/>
+            <a:off x="935411" y="4701732"/>
             <a:ext cx="1717288" cy="276999"/>
           </a:xfrm>
           <a:prstGeom prst="rect">
@@ -30820,41 +30585,6 @@
           </a:p>
         </p:txBody>
       </p:sp>
-      <p:pic>
-        <p:nvPicPr>
-          <p:cNvPr id="37" name="Picture 36">
-            <a:extLst>
-              <a:ext uri="{FF2B5EF4-FFF2-40B4-BE49-F238E27FC236}">
-                <a16:creationId xmlns:a16="http://schemas.microsoft.com/office/drawing/2014/main" id="{ADBB7C4A-8477-2844-8CF3-94411656AAB3}"/>
-              </a:ext>
-            </a:extLst>
-          </p:cNvPr>
-          <p:cNvPicPr>
-            <a:picLocks noChangeAspect="1"/>
-          </p:cNvPicPr>
-          <p:nvPr/>
-        </p:nvPicPr>
-        <p:blipFill rotWithShape="1">
-          <a:blip r:embed="rId2" cstate="screen">
-            <a:extLst>
-              <a:ext uri="{28A0092B-C50C-407E-A947-70E740481C1C}">
-                <a14:useLocalDpi xmlns:a14="http://schemas.microsoft.com/office/drawing/2010/main"/>
-              </a:ext>
-            </a:extLst>
-          </a:blip>
-          <a:srcRect/>
-          <a:stretch/>
-        </p:blipFill>
-        <p:spPr>
-          <a:xfrm>
-            <a:off x="4984513" y="3634625"/>
-            <a:ext cx="3143315" cy="2662695"/>
-          </a:xfrm>
-          <a:prstGeom prst="rect">
-            <a:avLst/>
-          </a:prstGeom>
-        </p:spPr>
-      </p:pic>
       <p:cxnSp>
         <p:nvCxnSpPr>
           <p:cNvPr id="38" name="Straight Arrow Connector 37">
@@ -30871,7 +30601,7 @@
         </p:nvCxnSpPr>
         <p:spPr>
           <a:xfrm flipV="1">
-            <a:off x="7337502" y="5482911"/>
+            <a:off x="7237499" y="4568308"/>
             <a:ext cx="366581" cy="18311"/>
           </a:xfrm>
           <a:prstGeom prst="straightConnector1">
@@ -30913,7 +30643,7 @@
         </p:nvSpPr>
         <p:spPr>
           <a:xfrm>
-            <a:off x="6678875" y="5131204"/>
+            <a:off x="6562146" y="4220438"/>
             <a:ext cx="1717288" cy="276999"/>
           </a:xfrm>
           <a:prstGeom prst="rect">
@@ -30955,8 +30685,8 @@
         </p:nvCxnSpPr>
         <p:spPr>
           <a:xfrm>
-            <a:off x="5451777" y="5501222"/>
-            <a:ext cx="1885725" cy="0"/>
+            <a:off x="5658425" y="4590456"/>
+            <a:ext cx="1562348" cy="0"/>
           </a:xfrm>
           <a:prstGeom prst="straightConnector1">
             <a:avLst/>
@@ -30997,7 +30727,7 @@
         </p:nvSpPr>
         <p:spPr>
           <a:xfrm>
-            <a:off x="5139302" y="5131205"/>
+            <a:off x="5451777" y="4220439"/>
             <a:ext cx="1717288" cy="276999"/>
           </a:xfrm>
           <a:prstGeom prst="rect">
@@ -31058,157 +30788,6 @@
       </p:grpSpPr>
       <p:sp>
         <p:nvSpPr>
-          <p:cNvPr id="2" name="Title 1">
-            <a:extLst>
-              <a:ext uri="{FF2B5EF4-FFF2-40B4-BE49-F238E27FC236}">
-                <a16:creationId xmlns:a16="http://schemas.microsoft.com/office/drawing/2014/main" id="{9D11FCF3-544A-524E-A30B-2A76305E42FB}"/>
-              </a:ext>
-            </a:extLst>
-          </p:cNvPr>
-          <p:cNvSpPr>
-            <a:spLocks noGrp="1"/>
-          </p:cNvSpPr>
-          <p:nvPr>
-            <p:ph type="title"/>
-          </p:nvPr>
-        </p:nvSpPr>
-        <p:spPr/>
-        <p:txBody>
-          <a:bodyPr/>
-          <a:lstStyle/>
-          <a:p>
-            <a:r>
-              <a:rPr lang="en-US" dirty="0"/>
-              <a:t>WHAT’S NEXT</a:t>
-            </a:r>
-          </a:p>
-        </p:txBody>
-      </p:sp>
-      <p:sp>
-        <p:nvSpPr>
-          <p:cNvPr id="3" name="Content Placeholder 2">
-            <a:extLst>
-              <a:ext uri="{FF2B5EF4-FFF2-40B4-BE49-F238E27FC236}">
-                <a16:creationId xmlns:a16="http://schemas.microsoft.com/office/drawing/2014/main" id="{C357AB34-9F6D-7640-A027-C5F25C084EDF}"/>
-              </a:ext>
-            </a:extLst>
-          </p:cNvPr>
-          <p:cNvSpPr>
-            <a:spLocks noGrp="1"/>
-          </p:cNvSpPr>
-          <p:nvPr>
-            <p:ph idx="1"/>
-          </p:nvPr>
-        </p:nvSpPr>
-        <p:spPr/>
-        <p:txBody>
-          <a:bodyPr>
-            <a:normAutofit fontScale="92500"/>
-          </a:bodyPr>
-          <a:lstStyle/>
-          <a:p>
-            <a:r>
-              <a:rPr lang="en-US" dirty="0"/>
-              <a:t>To program this solution, you should read the following lessons from EV3Lessons.com</a:t>
-            </a:r>
-          </a:p>
-          <a:p>
-            <a:pPr lvl="1"/>
-            <a:r>
-              <a:rPr lang="en-US" dirty="0"/>
-              <a:t>Move Straight</a:t>
-            </a:r>
-          </a:p>
-          <a:p>
-            <a:pPr lvl="1"/>
-            <a:r>
-              <a:rPr lang="en-US" dirty="0"/>
-              <a:t>Introduction to Color Sensor</a:t>
-            </a:r>
-          </a:p>
-          <a:p>
-            <a:pPr lvl="1"/>
-            <a:r>
-              <a:rPr lang="en-US" dirty="0"/>
-              <a:t>Move Inches</a:t>
-            </a:r>
-          </a:p>
-          <a:p>
-            <a:pPr lvl="1"/>
-            <a:r>
-              <a:rPr lang="en-US" dirty="0"/>
-              <a:t>Moving with My Blocks</a:t>
-            </a:r>
-          </a:p>
-          <a:p>
-            <a:pPr lvl="1"/>
-            <a:r>
-              <a:rPr lang="en-US"/>
-              <a:t>Color Sensor Calibration</a:t>
-            </a:r>
-          </a:p>
-        </p:txBody>
-      </p:sp>
-      <p:sp>
-        <p:nvSpPr>
-          <p:cNvPr id="4" name="Footer Placeholder 3">
-            <a:extLst>
-              <a:ext uri="{FF2B5EF4-FFF2-40B4-BE49-F238E27FC236}">
-                <a16:creationId xmlns:a16="http://schemas.microsoft.com/office/drawing/2014/main" id="{2BA32AA1-D562-C641-BCF8-51C077DC3129}"/>
-              </a:ext>
-            </a:extLst>
-          </p:cNvPr>
-          <p:cNvSpPr>
-            <a:spLocks noGrp="1"/>
-          </p:cNvSpPr>
-          <p:nvPr>
-            <p:ph type="ftr" sz="quarter" idx="11"/>
-          </p:nvPr>
-        </p:nvSpPr>
-        <p:spPr/>
-        <p:txBody>
-          <a:bodyPr/>
-          <a:lstStyle/>
-          <a:p>
-            <a:r>
-              <a:rPr lang="en-US"/>
-              <a:t>© 2018, FLL Tutorials, Last Edit 8/20/2018</a:t>
-            </a:r>
-          </a:p>
-        </p:txBody>
-      </p:sp>
-    </p:spTree>
-    <p:extLst>
-      <p:ext uri="{BB962C8B-B14F-4D97-AF65-F5344CB8AC3E}">
-        <p14:creationId xmlns:p14="http://schemas.microsoft.com/office/powerpoint/2010/main" val="3931571820"/>
-      </p:ext>
-    </p:extLst>
-  </p:cSld>
-  <p:clrMapOvr>
-    <a:masterClrMapping/>
-  </p:clrMapOvr>
-</p:sld>
-</file>
-
-<file path=ppt/slides/slide8.xml><?xml version="1.0" encoding="utf-8"?>
-<p:sld xmlns:a="http://schemas.openxmlformats.org/drawingml/2006/main" xmlns:r="http://schemas.openxmlformats.org/officeDocument/2006/relationships" xmlns:p="http://schemas.openxmlformats.org/presentationml/2006/main">
-  <p:cSld>
-    <p:spTree>
-      <p:nvGrpSpPr>
-        <p:cNvPr id="1" name=""/>
-        <p:cNvGrpSpPr/>
-        <p:nvPr/>
-      </p:nvGrpSpPr>
-      <p:grpSpPr>
-        <a:xfrm>
-          <a:off x="0" y="0"/>
-          <a:ext cx="0" cy="0"/>
-          <a:chOff x="0" y="0"/>
-          <a:chExt cx="0" cy="0"/>
-        </a:xfrm>
-      </p:grpSpPr>
-      <p:sp>
-        <p:nvSpPr>
           <p:cNvPr id="2" name="Title 1"/>
           <p:cNvSpPr>
             <a:spLocks noGrp="1"/>
@@ -31321,7 +30900,7 @@
           <a:p>
             <a:r>
               <a:rPr lang="en-US"/>
-              <a:t>© 2018, FLL Tutorials, Last Edit 8/20/2018</a:t>
+              <a:t>© 2022, FLL Tutorials</a:t>
             </a:r>
           </a:p>
         </p:txBody>
@@ -31351,7 +30930,7 @@
           <a:effectLst/>
           <a:extLst>
             <a:ext uri="{91240B29-F687-4f45-9708-019B960494DF}">
-              <a14:hiddenLine xmlns:a14="http://schemas.microsoft.com/office/drawing/2010/main" xmlns="" w="9525">
+              <a14:hiddenLine xmlns="" xmlns:a14="http://schemas.microsoft.com/office/drawing/2010/main" w="9525">
                 <a:solidFill>
                   <a:schemeClr val="tx1"/>
                 </a:solidFill>
@@ -31361,7 +30940,7 @@
               </a14:hiddenLine>
             </a:ext>
             <a:ext uri="{AF507438-7753-43e0-B8FC-AC1667EBCBE1}">
-              <a14:hiddenEffects xmlns:a14="http://schemas.microsoft.com/office/drawing/2010/main" xmlns="">
+              <a14:hiddenEffects xmlns="" xmlns:a14="http://schemas.microsoft.com/office/drawing/2010/main">
                 <a:effectLst>
                   <a:outerShdw dist="35921" dir="2700000" algn="ctr" rotWithShape="0">
                     <a:schemeClr val="bg2"/>
@@ -31702,7 +31281,7 @@
           <a:noFill/>
           <a:extLst>
             <a:ext uri="{909E8E84-426E-40dd-AFC4-6F175D3DCCD1}">
-              <a14:hiddenFill xmlns:a14="http://schemas.microsoft.com/office/drawing/2010/main" xmlns="">
+              <a14:hiddenFill xmlns="" xmlns:a14="http://schemas.microsoft.com/office/drawing/2010/main">
                 <a:solidFill>
                   <a:srgbClr val="FFFFFF"/>
                 </a:solidFill>
